--- a/Apresentação Cesup Rede/Projeto 2.pptx
+++ b/Apresentação Cesup Rede/Projeto 2.pptx
@@ -11,8 +11,8 @@
     <p:sldId id="260" r:id="rId5"/>
     <p:sldId id="263" r:id="rId6"/>
     <p:sldId id="265" r:id="rId7"/>
-    <p:sldId id="264" r:id="rId8"/>
-    <p:sldId id="266" r:id="rId9"/>
+    <p:sldId id="267" r:id="rId8"/>
+    <p:sldId id="264" r:id="rId9"/>
   </p:sldIdLst>
   <p:sldSz cx="12192000" cy="6858000"/>
   <p:notesSz cx="6858000" cy="9144000"/>
@@ -250,7 +250,7 @@
           <a:p>
             <a:fld id="{451DA068-CB82-4A13-8DD8-5B6FC800C9FB}" type="datetimeFigureOut">
               <a:rPr lang="pt-BR" smtClean="0"/>
-              <a:t>13/11/2020</a:t>
+              <a:t>14/11/2020</a:t>
             </a:fld>
             <a:endParaRPr lang="pt-BR"/>
           </a:p>
@@ -420,7 +420,7 @@
           <a:p>
             <a:fld id="{451DA068-CB82-4A13-8DD8-5B6FC800C9FB}" type="datetimeFigureOut">
               <a:rPr lang="pt-BR" smtClean="0"/>
-              <a:t>13/11/2020</a:t>
+              <a:t>14/11/2020</a:t>
             </a:fld>
             <a:endParaRPr lang="pt-BR"/>
           </a:p>
@@ -600,7 +600,7 @@
           <a:p>
             <a:fld id="{451DA068-CB82-4A13-8DD8-5B6FC800C9FB}" type="datetimeFigureOut">
               <a:rPr lang="pt-BR" smtClean="0"/>
-              <a:t>13/11/2020</a:t>
+              <a:t>14/11/2020</a:t>
             </a:fld>
             <a:endParaRPr lang="pt-BR"/>
           </a:p>
@@ -897,7 +897,7 @@
           <a:p>
             <a:fld id="{451DA068-CB82-4A13-8DD8-5B6FC800C9FB}" type="datetimeFigureOut">
               <a:rPr lang="pt-BR" smtClean="0"/>
-              <a:t>13/11/2020</a:t>
+              <a:t>14/11/2020</a:t>
             </a:fld>
             <a:endParaRPr lang="pt-BR"/>
           </a:p>
@@ -1143,7 +1143,7 @@
           <a:p>
             <a:fld id="{451DA068-CB82-4A13-8DD8-5B6FC800C9FB}" type="datetimeFigureOut">
               <a:rPr lang="pt-BR" smtClean="0"/>
-              <a:t>13/11/2020</a:t>
+              <a:t>14/11/2020</a:t>
             </a:fld>
             <a:endParaRPr lang="pt-BR"/>
           </a:p>
@@ -1375,7 +1375,7 @@
           <a:p>
             <a:fld id="{451DA068-CB82-4A13-8DD8-5B6FC800C9FB}" type="datetimeFigureOut">
               <a:rPr lang="pt-BR" smtClean="0"/>
-              <a:t>13/11/2020</a:t>
+              <a:t>14/11/2020</a:t>
             </a:fld>
             <a:endParaRPr lang="pt-BR"/>
           </a:p>
@@ -1742,7 +1742,7 @@
           <a:p>
             <a:fld id="{451DA068-CB82-4A13-8DD8-5B6FC800C9FB}" type="datetimeFigureOut">
               <a:rPr lang="pt-BR" smtClean="0"/>
-              <a:t>13/11/2020</a:t>
+              <a:t>14/11/2020</a:t>
             </a:fld>
             <a:endParaRPr lang="pt-BR"/>
           </a:p>
@@ -1860,7 +1860,7 @@
           <a:p>
             <a:fld id="{451DA068-CB82-4A13-8DD8-5B6FC800C9FB}" type="datetimeFigureOut">
               <a:rPr lang="pt-BR" smtClean="0"/>
-              <a:t>13/11/2020</a:t>
+              <a:t>14/11/2020</a:t>
             </a:fld>
             <a:endParaRPr lang="pt-BR"/>
           </a:p>
@@ -1955,7 +1955,7 @@
           <a:p>
             <a:fld id="{451DA068-CB82-4A13-8DD8-5B6FC800C9FB}" type="datetimeFigureOut">
               <a:rPr lang="pt-BR" smtClean="0"/>
-              <a:t>13/11/2020</a:t>
+              <a:t>14/11/2020</a:t>
             </a:fld>
             <a:endParaRPr lang="pt-BR"/>
           </a:p>
@@ -2232,7 +2232,7 @@
           <a:p>
             <a:fld id="{451DA068-CB82-4A13-8DD8-5B6FC800C9FB}" type="datetimeFigureOut">
               <a:rPr lang="pt-BR" smtClean="0"/>
-              <a:t>13/11/2020</a:t>
+              <a:t>14/11/2020</a:t>
             </a:fld>
             <a:endParaRPr lang="pt-BR"/>
           </a:p>
@@ -2485,7 +2485,7 @@
           <a:p>
             <a:fld id="{451DA068-CB82-4A13-8DD8-5B6FC800C9FB}" type="datetimeFigureOut">
               <a:rPr lang="pt-BR" smtClean="0"/>
-              <a:t>13/11/2020</a:t>
+              <a:t>14/11/2020</a:t>
             </a:fld>
             <a:endParaRPr lang="pt-BR"/>
           </a:p>
@@ -2698,7 +2698,7 @@
           <a:p>
             <a:fld id="{451DA068-CB82-4A13-8DD8-5B6FC800C9FB}" type="datetimeFigureOut">
               <a:rPr lang="pt-BR" smtClean="0"/>
-              <a:t>13/11/2020</a:t>
+              <a:t>14/11/2020</a:t>
             </a:fld>
             <a:endParaRPr lang="pt-BR"/>
           </a:p>
@@ -3154,7 +3154,17 @@
                 <a:latin typeface="Arial" panose="020B0604020202020204" pitchFamily="34" charset="0"/>
                 <a:cs typeface="Arial" panose="020B0604020202020204" pitchFamily="34" charset="0"/>
               </a:rPr>
-              <a:t>Extrato da Dependência</a:t>
+              <a:t>Extrato </a:t>
+            </a:r>
+            <a:r>
+              <a:rPr lang="pt-BR" sz="4800" b="1" dirty="0" smtClean="0">
+                <a:solidFill>
+                  <a:srgbClr val="FEE605"/>
+                </a:solidFill>
+                <a:latin typeface="Arial" panose="020B0604020202020204" pitchFamily="34" charset="0"/>
+                <a:cs typeface="Arial" panose="020B0604020202020204" pitchFamily="34" charset="0"/>
+              </a:rPr>
+              <a:t>da Dependência</a:t>
             </a:r>
             <a:endParaRPr lang="pt-BR" sz="4800" b="1" dirty="0">
               <a:solidFill>
@@ -3266,8 +3276,8 @@
         </p:nvSpPr>
         <p:spPr>
           <a:xfrm>
-            <a:off x="553792" y="1076325"/>
-            <a:ext cx="9247031" cy="1477328"/>
+            <a:off x="592428" y="1076325"/>
+            <a:ext cx="9247031" cy="5632311"/>
           </a:xfrm>
           <a:prstGeom prst="rect">
             <a:avLst/>
@@ -3281,8 +3291,18 @@
           <a:lstStyle/>
           <a:p>
             <a:r>
+              <a:rPr lang="pt-BR" dirty="0" smtClean="0"/>
+              <a:t>histórico </a:t>
+            </a:r>
+            <a:r>
               <a:rPr lang="pt-BR" dirty="0"/>
-              <a:t>Ter informações da </a:t>
+              <a:t>de avaliações e contatos</a:t>
+            </a:r>
+          </a:p>
+          <a:p>
+            <a:r>
+              <a:rPr lang="pt-BR" dirty="0"/>
+              <a:t>visualizar os arquivos que aquela </a:t>
             </a:r>
             <a:r>
               <a:rPr lang="pt-BR" dirty="0" err="1"/>
@@ -3290,25 +3310,13 @@
             </a:r>
             <a:r>
               <a:rPr lang="pt-BR" dirty="0"/>
-              <a:t> em uma interface</a:t>
+              <a:t> gerou</a:t>
             </a:r>
           </a:p>
           <a:p>
             <a:r>
               <a:rPr lang="pt-BR" dirty="0"/>
-              <a:t>trazer dados de assuntos mais solicitados</a:t>
-            </a:r>
-          </a:p>
-          <a:p>
-            <a:r>
-              <a:rPr lang="pt-BR" dirty="0"/>
-              <a:t>histórico de avaliações e contatos</a:t>
-            </a:r>
-          </a:p>
-          <a:p>
-            <a:r>
-              <a:rPr lang="pt-BR" dirty="0"/>
-              <a:t>visualizar os arquivos que aquela </a:t>
+              <a:t>quais visitas já foram realizadas na </a:t>
             </a:r>
             <a:r>
               <a:rPr lang="pt-BR" dirty="0" err="1"/>
@@ -3316,21 +3324,118 @@
             </a:r>
             <a:r>
               <a:rPr lang="pt-BR" dirty="0"/>
-              <a:t> gerou</a:t>
-            </a:r>
-          </a:p>
-          <a:p>
+              <a:t> </a:t>
+            </a:r>
+            <a:endParaRPr lang="pt-BR" dirty="0" smtClean="0"/>
+          </a:p>
+          <a:p>
+            <a:endParaRPr lang="pt-PT" dirty="0"/>
+          </a:p>
+          <a:p>
+            <a:r>
+              <a:rPr lang="pt-BR" b="1" dirty="0"/>
+              <a:t>Processos de fluxo de trabalho ineficientes</a:t>
+            </a:r>
             <a:r>
               <a:rPr lang="pt-BR" dirty="0"/>
-              <a:t>quais visitas já foram realizadas na </a:t>
-            </a:r>
-            <a:r>
-              <a:rPr lang="pt-BR" dirty="0" err="1"/>
-              <a:t>dependencia</a:t>
-            </a:r>
+              <a:t>: os membros da sua equipe não conseguem encontrar a informação que precisam para fazer seu trabalho.</a:t>
+            </a:r>
+          </a:p>
+          <a:p>
+            <a:endParaRPr lang="pt-BR" dirty="0" smtClean="0"/>
+          </a:p>
+          <a:p>
+            <a:endParaRPr lang="pt-BR" dirty="0" smtClean="0"/>
+          </a:p>
+          <a:p>
             <a:r>
               <a:rPr lang="pt-BR" dirty="0"/>
-              <a:t> </a:t>
+              <a:t>Quanto mais uma companhia conhece o seu consumidor, maiores são as chances de compreender e atender às suas reais necessidades</a:t>
+            </a:r>
+            <a:r>
+              <a:rPr lang="pt-BR" dirty="0" smtClean="0"/>
+              <a:t>.</a:t>
+            </a:r>
+          </a:p>
+          <a:p>
+            <a:endParaRPr lang="pt-PT" dirty="0"/>
+          </a:p>
+          <a:p>
+            <a:r>
+              <a:rPr lang="pt-BR" dirty="0"/>
+              <a:t>T</a:t>
+            </a:r>
+            <a:r>
+              <a:rPr lang="pt-BR" dirty="0" smtClean="0"/>
+              <a:t>er </a:t>
+            </a:r>
+            <a:r>
+              <a:rPr lang="pt-BR" dirty="0"/>
+              <a:t>disponível em mãos diversas informações do cliente pode agilizar a prática </a:t>
+            </a:r>
+            <a:r>
+              <a:rPr lang="pt-BR" dirty="0" smtClean="0"/>
+              <a:t>do atendimento </a:t>
+            </a:r>
+            <a:r>
+              <a:rPr lang="pt-BR" dirty="0"/>
+              <a:t>e auxiliá-los com informações qualitativas na tomada de </a:t>
+            </a:r>
+            <a:r>
+              <a:rPr lang="pt-BR" dirty="0" smtClean="0"/>
+              <a:t>decisões.</a:t>
+            </a:r>
+          </a:p>
+          <a:p>
+            <a:endParaRPr lang="pt-PT" dirty="0"/>
+          </a:p>
+          <a:p>
+            <a:r>
+              <a:rPr lang="pt-BR" dirty="0"/>
+              <a:t>A capacidade de monitorar como o </a:t>
+            </a:r>
+            <a:r>
+              <a:rPr lang="pt-BR" dirty="0" smtClean="0"/>
+              <a:t>cliente </a:t>
+            </a:r>
+            <a:r>
+              <a:rPr lang="pt-BR" dirty="0"/>
+              <a:t>enxerga seus </a:t>
+            </a:r>
+            <a:r>
+              <a:rPr lang="pt-BR" dirty="0" smtClean="0"/>
+              <a:t>serviços </a:t>
+            </a:r>
+            <a:r>
+              <a:rPr lang="pt-BR" dirty="0"/>
+              <a:t>é fundamental para mostrar o verdadeiro </a:t>
+            </a:r>
+            <a:r>
+              <a:rPr lang="pt-BR" dirty="0" smtClean="0"/>
+              <a:t>valor. </a:t>
+            </a:r>
+            <a:r>
+              <a:rPr lang="pt-BR" dirty="0"/>
+              <a:t>Além disso, é um ponto de partida para estreitar o </a:t>
+            </a:r>
+            <a:r>
+              <a:rPr lang="pt-BR" u="sng" dirty="0">
+                <a:hlinkClick r:id="rId2"/>
+              </a:rPr>
+              <a:t>relacionamento com o cliente</a:t>
+            </a:r>
+            <a:r>
+              <a:rPr lang="pt-BR" dirty="0" smtClean="0"/>
+              <a:t>.</a:t>
+            </a:r>
+          </a:p>
+          <a:p>
+            <a:endParaRPr lang="pt-PT" dirty="0"/>
+          </a:p>
+          <a:p>
+            <a:r>
+              <a:rPr lang="pt-BR" dirty="0"/>
+              <a:t>Ao ter posse de informações relevantes sobre o seu consumidor, é possível segmentar e agrupar os clientes em diferentes categorias, direcionando estrategicamente seus produtos ou serviços. </a:t>
             </a:r>
             <a:endParaRPr lang="pt-BR" dirty="0"/>
           </a:p>
@@ -3470,7 +3575,7 @@
         <p:spPr>
           <a:xfrm>
             <a:off x="1192432" y="2008691"/>
-            <a:ext cx="9648423" cy="2677656"/>
+            <a:ext cx="10205371" cy="3416320"/>
           </a:xfrm>
           <a:prstGeom prst="rect">
             <a:avLst/>
@@ -3483,18 +3588,76 @@
           </a:bodyPr>
           <a:lstStyle/>
           <a:p>
+            <a:endParaRPr lang="pt-BR" sz="2400" dirty="0"/>
+          </a:p>
+          <a:p>
+            <a:pPr marL="342900" indent="-342900">
+              <a:buFont typeface="Arial" panose="020B0604020202020204" pitchFamily="34" charset="0"/>
+              <a:buChar char="•"/>
+            </a:pPr>
+            <a:r>
+              <a:rPr lang="pt-BR" sz="2400" dirty="0" smtClean="0"/>
+              <a:t>Como usuário do </a:t>
+            </a:r>
+            <a:r>
+              <a:rPr lang="pt-BR" sz="2400" dirty="0" err="1" smtClean="0"/>
+              <a:t>Scap</a:t>
+            </a:r>
+            <a:r>
+              <a:rPr lang="pt-BR" sz="2400" dirty="0" smtClean="0"/>
+              <a:t>, </a:t>
+            </a:r>
+            <a:r>
+              <a:rPr lang="pt-BR" sz="2400" dirty="0"/>
+              <a:t>não tenho uma interface unificada sobre o que </a:t>
+            </a:r>
+            <a:r>
+              <a:rPr lang="pt-BR" sz="2400" dirty="0" smtClean="0"/>
+              <a:t>a dependência </a:t>
+            </a:r>
+            <a:r>
+              <a:rPr lang="pt-BR" sz="2400" dirty="0"/>
+              <a:t>já demandou ao </a:t>
+            </a:r>
+            <a:r>
+              <a:rPr lang="pt-BR" sz="2400" dirty="0" err="1"/>
+              <a:t>Cesup</a:t>
+            </a:r>
+            <a:r>
+              <a:rPr lang="pt-BR" sz="2400" dirty="0"/>
+              <a:t> (Demandas, Visitas</a:t>
+            </a:r>
+            <a:r>
+              <a:rPr lang="pt-BR" sz="2400" dirty="0" smtClean="0"/>
+              <a:t>, Estudo de Solução, Reservas)</a:t>
+            </a:r>
+          </a:p>
+          <a:p>
+            <a:endParaRPr lang="pt-PT" sz="2400" dirty="0" smtClean="0"/>
+          </a:p>
+          <a:p>
+            <a:endParaRPr lang="pt-BR" sz="2400" dirty="0"/>
+          </a:p>
+          <a:p>
             <a:pPr marL="285750" indent="-285750">
               <a:buFont typeface="Arial" panose="020B0604020202020204" pitchFamily="34" charset="0"/>
               <a:buChar char="•"/>
             </a:pPr>
             <a:r>
               <a:rPr lang="pt-BR" sz="2400" dirty="0"/>
-              <a:t>Onde posso obter mais informações sobre aquela </a:t>
+              <a:t>Onde posso visualizar as avaliações e feedbacks daquela </a:t>
             </a:r>
             <a:r>
               <a:rPr lang="pt-BR" sz="2400" dirty="0" smtClean="0"/>
               <a:t>dependência</a:t>
             </a:r>
+          </a:p>
+          <a:p>
+            <a:pPr marL="285750" indent="-285750">
+              <a:buFont typeface="Arial" panose="020B0604020202020204" pitchFamily="34" charset="0"/>
+              <a:buChar char="•"/>
+            </a:pPr>
+            <a:endParaRPr lang="pt-PT" sz="2400" dirty="0"/>
           </a:p>
           <a:p>
             <a:pPr marL="285750" indent="-285750">
@@ -3502,67 +3665,6 @@
               <a:buChar char="•"/>
             </a:pPr>
             <a:endParaRPr lang="pt-BR" sz="2400" dirty="0"/>
-          </a:p>
-          <a:p>
-            <a:pPr marL="285750" indent="-285750">
-              <a:buFont typeface="Arial" panose="020B0604020202020204" pitchFamily="34" charset="0"/>
-              <a:buChar char="•"/>
-            </a:pPr>
-            <a:r>
-              <a:rPr lang="pt-BR" sz="2400" dirty="0"/>
-              <a:t>Gostaria de saber o que aquela </a:t>
-            </a:r>
-            <a:r>
-              <a:rPr lang="pt-BR" sz="2400" dirty="0" smtClean="0"/>
-              <a:t>dependência </a:t>
-            </a:r>
-            <a:r>
-              <a:rPr lang="pt-BR" sz="2400" dirty="0"/>
-              <a:t>já requisitou do </a:t>
-            </a:r>
-            <a:r>
-              <a:rPr lang="pt-BR" sz="2400" dirty="0" err="1" smtClean="0"/>
-              <a:t>Cesup</a:t>
-            </a:r>
-            <a:endParaRPr lang="pt-BR" sz="2400" dirty="0" smtClean="0"/>
-          </a:p>
-          <a:p>
-            <a:pPr marL="285750" indent="-285750">
-              <a:buFont typeface="Arial" panose="020B0604020202020204" pitchFamily="34" charset="0"/>
-              <a:buChar char="•"/>
-            </a:pPr>
-            <a:endParaRPr lang="pt-BR" sz="2400" dirty="0"/>
-          </a:p>
-          <a:p>
-            <a:pPr marL="285750" indent="-285750">
-              <a:buFont typeface="Arial" panose="020B0604020202020204" pitchFamily="34" charset="0"/>
-              <a:buChar char="•"/>
-            </a:pPr>
-            <a:r>
-              <a:rPr lang="pt-BR" sz="2400" dirty="0"/>
-              <a:t>Onde posso visualizar as avaliações e feedbacks daquela </a:t>
-            </a:r>
-            <a:r>
-              <a:rPr lang="pt-BR" sz="2400" dirty="0" smtClean="0"/>
-              <a:t>dependência</a:t>
-            </a:r>
-          </a:p>
-          <a:p>
-            <a:pPr marL="285750" indent="-285750">
-              <a:buFont typeface="Arial" panose="020B0604020202020204" pitchFamily="34" charset="0"/>
-              <a:buChar char="•"/>
-            </a:pPr>
-            <a:endParaRPr lang="pt-BR" sz="2400" dirty="0"/>
-          </a:p>
-          <a:p>
-            <a:pPr marL="285750" indent="-285750">
-              <a:buFont typeface="Arial" panose="020B0604020202020204" pitchFamily="34" charset="0"/>
-              <a:buChar char="•"/>
-            </a:pPr>
-            <a:r>
-              <a:rPr lang="pt-BR" sz="2400" dirty="0" smtClean="0"/>
-              <a:t>Quantas Visitas já foram realizadas naquela dependência</a:t>
-            </a:r>
           </a:p>
         </p:txBody>
       </p:sp>
@@ -3666,8 +3768,8 @@
         </p:nvSpPr>
         <p:spPr>
           <a:xfrm>
-            <a:off x="888642" y="2485621"/>
-            <a:ext cx="10619895" cy="1569660"/>
+            <a:off x="914400" y="2202286"/>
+            <a:ext cx="10556993" cy="2308324"/>
           </a:xfrm>
           <a:prstGeom prst="rect">
             <a:avLst/>
@@ -3680,44 +3782,41 @@
           </a:bodyPr>
           <a:lstStyle/>
           <a:p>
+            <a:endParaRPr lang="pt-BR" sz="2400" dirty="0" smtClean="0"/>
+          </a:p>
+          <a:p>
             <a:pPr marL="285750" indent="-285750">
               <a:buFontTx/>
               <a:buChar char="-"/>
             </a:pPr>
             <a:r>
               <a:rPr lang="pt-BR" sz="2400" dirty="0" smtClean="0"/>
-              <a:t>Ter um formulário de 'Registro de Contato‘ dos feedbacks para os clientes.</a:t>
-            </a:r>
-          </a:p>
-          <a:p>
-            <a:pPr marL="285750" indent="-285750">
+              <a:t>Criação de uma tela, com as informações de serviços que já foram realizados para</a:t>
+            </a:r>
+          </a:p>
+          <a:p>
+            <a:r>
+              <a:rPr lang="pt-BR" sz="2400" dirty="0" smtClean="0"/>
+              <a:t>a dependência.</a:t>
+            </a:r>
+          </a:p>
+          <a:p>
+            <a:endParaRPr lang="pt-BR" sz="2400" dirty="0"/>
+          </a:p>
+          <a:p>
+            <a:pPr marL="342900" indent="-342900">
               <a:buFontTx/>
               <a:buChar char="-"/>
             </a:pPr>
-            <a:endParaRPr lang="pt-BR" sz="2400" dirty="0" smtClean="0"/>
-          </a:p>
-          <a:p>
-            <a:pPr marL="285750" indent="-285750">
-              <a:buFontTx/>
-              <a:buChar char="-"/>
-            </a:pPr>
             <a:r>
               <a:rPr lang="pt-BR" sz="2400" dirty="0" smtClean="0"/>
-              <a:t>Condutor da demanda ter acesso fácil a informação sobre avaliações e feedbacks </a:t>
+              <a:t>Possibilidade de ter visões diferentes de acordo com o tipo de usuário </a:t>
             </a:r>
           </a:p>
           <a:p>
             <a:r>
               <a:rPr lang="pt-BR" sz="2400" dirty="0" smtClean="0"/>
-              <a:t>para uma tomada de decisão mais </a:t>
-            </a:r>
-            <a:r>
-              <a:rPr lang="pt-BR" sz="2400" dirty="0" err="1" smtClean="0"/>
-              <a:t>acertiva</a:t>
-            </a:r>
-            <a:r>
-              <a:rPr lang="pt-BR" sz="2400" dirty="0" smtClean="0"/>
-              <a:t>, visando um melhor atendimento.</a:t>
+              <a:t>(Cliente e Rede).</a:t>
             </a:r>
             <a:endParaRPr lang="pt-BR" sz="2400" dirty="0"/>
           </a:p>
@@ -3810,7 +3909,7 @@
                 <a:latin typeface="Arial" panose="020B0604020202020204" pitchFamily="34" charset="0"/>
                 <a:cs typeface="Arial" panose="020B0604020202020204" pitchFamily="34" charset="0"/>
               </a:rPr>
-              <a:t>Tela de Registro de Contato</a:t>
+              <a:t>Tela do Extrato da Dependência</a:t>
             </a:r>
             <a:endParaRPr lang="pt-BR" sz="2800" b="1" dirty="0">
               <a:solidFill>
@@ -3822,9 +3921,39 @@
           </a:p>
         </p:txBody>
       </p:sp>
+      <p:sp>
+        <p:nvSpPr>
+          <p:cNvPr id="4" name="CaixaDeTexto 3"/>
+          <p:cNvSpPr txBox="1"/>
+          <p:nvPr/>
+        </p:nvSpPr>
+        <p:spPr>
+          <a:xfrm>
+            <a:off x="7340963" y="340617"/>
+            <a:ext cx="1843518" cy="461665"/>
+          </a:xfrm>
+          <a:prstGeom prst="rect">
+            <a:avLst/>
+          </a:prstGeom>
+          <a:noFill/>
+        </p:spPr>
+        <p:txBody>
+          <a:bodyPr wrap="none" rtlCol="0">
+            <a:spAutoFit/>
+          </a:bodyPr>
+          <a:lstStyle/>
+          <a:p>
+            <a:r>
+              <a:rPr lang="pt-PT" sz="2400" b="1" dirty="0" smtClean="0"/>
+              <a:t>Visão Cliente</a:t>
+            </a:r>
+            <a:endParaRPr lang="pt-BR" sz="2400" b="1" dirty="0"/>
+          </a:p>
+        </p:txBody>
+      </p:sp>
       <p:pic>
         <p:nvPicPr>
-          <p:cNvPr id="3" name="Imagem 2"/>
+          <p:cNvPr id="5" name="Imagem 4"/>
           <p:cNvPicPr>
             <a:picLocks noChangeAspect="1"/>
           </p:cNvPicPr>
@@ -3844,8 +3973,789 @@
         </p:blipFill>
         <p:spPr>
           <a:xfrm>
-            <a:off x="824247" y="1140720"/>
-            <a:ext cx="10806229" cy="5133751"/>
+            <a:off x="978795" y="1140720"/>
+            <a:ext cx="10367493" cy="4925319"/>
+          </a:xfrm>
+          <a:prstGeom prst="rect">
+            <a:avLst/>
+          </a:prstGeom>
+          <a:solidFill>
+            <a:schemeClr val="bg1">
+              <a:lumMod val="95000"/>
+            </a:schemeClr>
+          </a:solidFill>
+        </p:spPr>
+      </p:pic>
+      <p:sp>
+        <p:nvSpPr>
+          <p:cNvPr id="9" name="Retângulo 8"/>
+          <p:cNvSpPr/>
+          <p:nvPr/>
+        </p:nvSpPr>
+        <p:spPr>
+          <a:xfrm>
+            <a:off x="3309870" y="3374265"/>
+            <a:ext cx="3773510" cy="1262136"/>
+          </a:xfrm>
+          <a:prstGeom prst="rect">
+            <a:avLst/>
+          </a:prstGeom>
+          <a:solidFill>
+            <a:schemeClr val="bg1">
+              <a:lumMod val="95000"/>
+            </a:schemeClr>
+          </a:solidFill>
+          <a:ln>
+            <a:solidFill>
+              <a:schemeClr val="bg1">
+                <a:lumMod val="75000"/>
+              </a:schemeClr>
+            </a:solidFill>
+          </a:ln>
+        </p:spPr>
+        <p:style>
+          <a:lnRef idx="2">
+            <a:schemeClr val="accent1">
+              <a:shade val="50000"/>
+            </a:schemeClr>
+          </a:lnRef>
+          <a:fillRef idx="1">
+            <a:schemeClr val="accent1"/>
+          </a:fillRef>
+          <a:effectRef idx="0">
+            <a:schemeClr val="accent1"/>
+          </a:effectRef>
+          <a:fontRef idx="minor">
+            <a:schemeClr val="lt1"/>
+          </a:fontRef>
+        </p:style>
+        <p:txBody>
+          <a:bodyPr rtlCol="0" anchor="ctr"/>
+          <a:lstStyle/>
+          <a:p>
+            <a:endParaRPr lang="pt-PT" sz="1600" dirty="0" smtClean="0">
+              <a:solidFill>
+                <a:schemeClr val="tx1">
+                  <a:lumMod val="85000"/>
+                  <a:lumOff val="15000"/>
+                </a:schemeClr>
+              </a:solidFill>
+            </a:endParaRPr>
+          </a:p>
+          <a:p>
+            <a:endParaRPr lang="pt-PT" sz="1600" dirty="0">
+              <a:solidFill>
+                <a:schemeClr val="tx1">
+                  <a:lumMod val="85000"/>
+                  <a:lumOff val="15000"/>
+                </a:schemeClr>
+              </a:solidFill>
+            </a:endParaRPr>
+          </a:p>
+          <a:p>
+            <a:endParaRPr lang="pt-PT" sz="1600" dirty="0" smtClean="0">
+              <a:solidFill>
+                <a:schemeClr val="tx1">
+                  <a:lumMod val="85000"/>
+                  <a:lumOff val="15000"/>
+                </a:schemeClr>
+              </a:solidFill>
+            </a:endParaRPr>
+          </a:p>
+          <a:p>
+            <a:r>
+              <a:rPr lang="pt-PT" sz="1600" dirty="0" smtClean="0">
+                <a:solidFill>
+                  <a:schemeClr val="tx1">
+                    <a:lumMod val="85000"/>
+                    <a:lumOff val="15000"/>
+                  </a:schemeClr>
+                </a:solidFill>
+              </a:rPr>
+              <a:t>Demandas</a:t>
+            </a:r>
+          </a:p>
+          <a:p>
+            <a:endParaRPr lang="pt-PT" sz="1600" dirty="0" smtClean="0">
+              <a:solidFill>
+                <a:schemeClr val="tx1">
+                  <a:lumMod val="85000"/>
+                  <a:lumOff val="15000"/>
+                </a:schemeClr>
+              </a:solidFill>
+            </a:endParaRPr>
+          </a:p>
+          <a:p>
+            <a:r>
+              <a:rPr lang="pt-PT" sz="1600" dirty="0" smtClean="0">
+                <a:solidFill>
+                  <a:schemeClr val="tx1">
+                    <a:lumMod val="85000"/>
+                    <a:lumOff val="15000"/>
+                  </a:schemeClr>
+                </a:solidFill>
+              </a:rPr>
+              <a:t>- Histórico das demandas solicitadas</a:t>
+            </a:r>
+            <a:endParaRPr lang="pt-PT" sz="1600" dirty="0">
+              <a:solidFill>
+                <a:schemeClr val="tx1">
+                  <a:lumMod val="85000"/>
+                  <a:lumOff val="15000"/>
+                </a:schemeClr>
+              </a:solidFill>
+            </a:endParaRPr>
+          </a:p>
+          <a:p>
+            <a:endParaRPr lang="pt-PT" sz="1600" dirty="0" smtClean="0">
+              <a:solidFill>
+                <a:schemeClr val="tx1">
+                  <a:lumMod val="85000"/>
+                  <a:lumOff val="15000"/>
+                </a:schemeClr>
+              </a:solidFill>
+            </a:endParaRPr>
+          </a:p>
+          <a:p>
+            <a:endParaRPr lang="pt-PT" sz="1600" dirty="0">
+              <a:solidFill>
+                <a:schemeClr val="tx1">
+                  <a:lumMod val="85000"/>
+                  <a:lumOff val="15000"/>
+                </a:schemeClr>
+              </a:solidFill>
+            </a:endParaRPr>
+          </a:p>
+          <a:p>
+            <a:endParaRPr lang="pt-PT" sz="1600" dirty="0" smtClean="0">
+              <a:solidFill>
+                <a:schemeClr val="tx1">
+                  <a:lumMod val="85000"/>
+                  <a:lumOff val="15000"/>
+                </a:schemeClr>
+              </a:solidFill>
+            </a:endParaRPr>
+          </a:p>
+          <a:p>
+            <a:endParaRPr lang="pt-BR" sz="1600" dirty="0">
+              <a:solidFill>
+                <a:schemeClr val="tx1">
+                  <a:lumMod val="85000"/>
+                  <a:lumOff val="15000"/>
+                </a:schemeClr>
+              </a:solidFill>
+            </a:endParaRPr>
+          </a:p>
+        </p:txBody>
+      </p:sp>
+      <p:sp>
+        <p:nvSpPr>
+          <p:cNvPr id="10" name="Retângulo 9"/>
+          <p:cNvSpPr/>
+          <p:nvPr/>
+        </p:nvSpPr>
+        <p:spPr>
+          <a:xfrm>
+            <a:off x="7340963" y="3374264"/>
+            <a:ext cx="3773511" cy="1254255"/>
+          </a:xfrm>
+          <a:prstGeom prst="rect">
+            <a:avLst/>
+          </a:prstGeom>
+          <a:solidFill>
+            <a:schemeClr val="bg1">
+              <a:lumMod val="95000"/>
+            </a:schemeClr>
+          </a:solidFill>
+          <a:ln>
+            <a:solidFill>
+              <a:schemeClr val="bg1">
+                <a:lumMod val="75000"/>
+              </a:schemeClr>
+            </a:solidFill>
+          </a:ln>
+        </p:spPr>
+        <p:style>
+          <a:lnRef idx="2">
+            <a:schemeClr val="accent1">
+              <a:shade val="50000"/>
+            </a:schemeClr>
+          </a:lnRef>
+          <a:fillRef idx="1">
+            <a:schemeClr val="accent1"/>
+          </a:fillRef>
+          <a:effectRef idx="0">
+            <a:schemeClr val="accent1"/>
+          </a:effectRef>
+          <a:fontRef idx="minor">
+            <a:schemeClr val="lt1"/>
+          </a:fontRef>
+        </p:style>
+        <p:txBody>
+          <a:bodyPr rtlCol="0" anchor="ctr"/>
+          <a:lstStyle/>
+          <a:p>
+            <a:r>
+              <a:rPr lang="pt-PT" sz="1600" dirty="0" smtClean="0">
+                <a:solidFill>
+                  <a:schemeClr val="tx1">
+                    <a:lumMod val="85000"/>
+                    <a:lumOff val="15000"/>
+                  </a:schemeClr>
+                </a:solidFill>
+              </a:rPr>
+              <a:t>Visitas</a:t>
+            </a:r>
+          </a:p>
+          <a:p>
+            <a:endParaRPr lang="pt-PT" sz="1600" dirty="0">
+              <a:solidFill>
+                <a:schemeClr val="tx1">
+                  <a:lumMod val="85000"/>
+                  <a:lumOff val="15000"/>
+                </a:schemeClr>
+              </a:solidFill>
+            </a:endParaRPr>
+          </a:p>
+          <a:p>
+            <a:r>
+              <a:rPr lang="pt-PT" sz="1600" dirty="0" smtClean="0">
+                <a:solidFill>
+                  <a:schemeClr val="tx1">
+                    <a:lumMod val="85000"/>
+                    <a:lumOff val="15000"/>
+                  </a:schemeClr>
+                </a:solidFill>
+              </a:rPr>
+              <a:t>- Visitas Realizadas e Agendadas</a:t>
+            </a:r>
+          </a:p>
+          <a:p>
+            <a:endParaRPr lang="pt-BR" sz="1600" dirty="0">
+              <a:solidFill>
+                <a:schemeClr val="tx1">
+                  <a:lumMod val="85000"/>
+                  <a:lumOff val="15000"/>
+                </a:schemeClr>
+              </a:solidFill>
+            </a:endParaRPr>
+          </a:p>
+        </p:txBody>
+      </p:sp>
+      <p:sp>
+        <p:nvSpPr>
+          <p:cNvPr id="16" name="Retângulo de cantos arredondados 15"/>
+          <p:cNvSpPr/>
+          <p:nvPr/>
+        </p:nvSpPr>
+        <p:spPr>
+          <a:xfrm>
+            <a:off x="3129566" y="1609859"/>
+            <a:ext cx="8216722" cy="347730"/>
+          </a:xfrm>
+          <a:prstGeom prst="roundRect">
+            <a:avLst/>
+          </a:prstGeom>
+          <a:solidFill>
+            <a:srgbClr val="122D46"/>
+          </a:solidFill>
+        </p:spPr>
+        <p:style>
+          <a:lnRef idx="2">
+            <a:schemeClr val="accent1">
+              <a:shade val="50000"/>
+            </a:schemeClr>
+          </a:lnRef>
+          <a:fillRef idx="1">
+            <a:schemeClr val="accent1"/>
+          </a:fillRef>
+          <a:effectRef idx="0">
+            <a:schemeClr val="accent1"/>
+          </a:effectRef>
+          <a:fontRef idx="minor">
+            <a:schemeClr val="lt1"/>
+          </a:fontRef>
+        </p:style>
+        <p:txBody>
+          <a:bodyPr rtlCol="0" anchor="ctr"/>
+          <a:lstStyle/>
+          <a:p>
+            <a:r>
+              <a:rPr lang="pt-BR" sz="1600" b="1" dirty="0" smtClean="0"/>
+              <a:t>  Extrato da Depend</a:t>
+            </a:r>
+            <a:r>
+              <a:rPr lang="pt-PT" sz="1600" b="1" dirty="0" smtClean="0"/>
+              <a:t>ência</a:t>
+            </a:r>
+            <a:endParaRPr lang="pt-BR" sz="1600" b="1" dirty="0"/>
+          </a:p>
+        </p:txBody>
+      </p:sp>
+      <p:sp>
+        <p:nvSpPr>
+          <p:cNvPr id="17" name="Retângulo 16"/>
+          <p:cNvSpPr/>
+          <p:nvPr/>
+        </p:nvSpPr>
+        <p:spPr>
+          <a:xfrm>
+            <a:off x="3309870" y="4837543"/>
+            <a:ext cx="3773510" cy="1262136"/>
+          </a:xfrm>
+          <a:prstGeom prst="rect">
+            <a:avLst/>
+          </a:prstGeom>
+          <a:solidFill>
+            <a:schemeClr val="bg1">
+              <a:lumMod val="95000"/>
+            </a:schemeClr>
+          </a:solidFill>
+          <a:ln>
+            <a:solidFill>
+              <a:schemeClr val="bg1">
+                <a:lumMod val="75000"/>
+              </a:schemeClr>
+            </a:solidFill>
+          </a:ln>
+        </p:spPr>
+        <p:style>
+          <a:lnRef idx="2">
+            <a:schemeClr val="accent1">
+              <a:shade val="50000"/>
+            </a:schemeClr>
+          </a:lnRef>
+          <a:fillRef idx="1">
+            <a:schemeClr val="accent1"/>
+          </a:fillRef>
+          <a:effectRef idx="0">
+            <a:schemeClr val="accent1"/>
+          </a:effectRef>
+          <a:fontRef idx="minor">
+            <a:schemeClr val="lt1"/>
+          </a:fontRef>
+        </p:style>
+        <p:txBody>
+          <a:bodyPr rtlCol="0" anchor="ctr"/>
+          <a:lstStyle/>
+          <a:p>
+            <a:r>
+              <a:rPr lang="pt-PT" sz="1600" dirty="0" smtClean="0">
+                <a:solidFill>
+                  <a:schemeClr val="tx1">
+                    <a:lumMod val="85000"/>
+                    <a:lumOff val="15000"/>
+                  </a:schemeClr>
+                </a:solidFill>
+              </a:rPr>
+              <a:t>Arquivos</a:t>
+            </a:r>
+          </a:p>
+          <a:p>
+            <a:endParaRPr lang="pt-PT" sz="1600" dirty="0">
+              <a:solidFill>
+                <a:schemeClr val="tx1">
+                  <a:lumMod val="85000"/>
+                  <a:lumOff val="15000"/>
+                </a:schemeClr>
+              </a:solidFill>
+            </a:endParaRPr>
+          </a:p>
+          <a:p>
+            <a:r>
+              <a:rPr lang="pt-PT" sz="1600" dirty="0" smtClean="0">
+                <a:solidFill>
+                  <a:schemeClr val="tx1">
+                    <a:lumMod val="85000"/>
+                    <a:lumOff val="15000"/>
+                  </a:schemeClr>
+                </a:solidFill>
+              </a:rPr>
+              <a:t>- Anexos gerado pela dependência</a:t>
+            </a:r>
+            <a:endParaRPr lang="pt-BR" sz="1600" dirty="0">
+              <a:solidFill>
+                <a:schemeClr val="tx1">
+                  <a:lumMod val="85000"/>
+                  <a:lumOff val="15000"/>
+                </a:schemeClr>
+              </a:solidFill>
+            </a:endParaRPr>
+          </a:p>
+        </p:txBody>
+      </p:sp>
+      <p:sp>
+        <p:nvSpPr>
+          <p:cNvPr id="18" name="Retângulo 17"/>
+          <p:cNvSpPr/>
+          <p:nvPr/>
+        </p:nvSpPr>
+        <p:spPr>
+          <a:xfrm>
+            <a:off x="7340963" y="4837542"/>
+            <a:ext cx="3773511" cy="1254255"/>
+          </a:xfrm>
+          <a:prstGeom prst="rect">
+            <a:avLst/>
+          </a:prstGeom>
+          <a:solidFill>
+            <a:schemeClr val="bg1">
+              <a:lumMod val="95000"/>
+            </a:schemeClr>
+          </a:solidFill>
+          <a:ln>
+            <a:solidFill>
+              <a:schemeClr val="bg1">
+                <a:lumMod val="75000"/>
+              </a:schemeClr>
+            </a:solidFill>
+          </a:ln>
+        </p:spPr>
+        <p:style>
+          <a:lnRef idx="2">
+            <a:schemeClr val="accent1">
+              <a:shade val="50000"/>
+            </a:schemeClr>
+          </a:lnRef>
+          <a:fillRef idx="1">
+            <a:schemeClr val="accent1"/>
+          </a:fillRef>
+          <a:effectRef idx="0">
+            <a:schemeClr val="accent1"/>
+          </a:effectRef>
+          <a:fontRef idx="minor">
+            <a:schemeClr val="lt1"/>
+          </a:fontRef>
+        </p:style>
+        <p:txBody>
+          <a:bodyPr rtlCol="0" anchor="ctr"/>
+          <a:lstStyle/>
+          <a:p>
+            <a:endParaRPr lang="pt-PT" sz="1600" dirty="0" smtClean="0">
+              <a:solidFill>
+                <a:schemeClr val="tx1">
+                  <a:lumMod val="85000"/>
+                  <a:lumOff val="15000"/>
+                </a:schemeClr>
+              </a:solidFill>
+            </a:endParaRPr>
+          </a:p>
+          <a:p>
+            <a:r>
+              <a:rPr lang="pt-PT" sz="1600" dirty="0" smtClean="0">
+                <a:solidFill>
+                  <a:schemeClr val="tx1">
+                    <a:lumMod val="85000"/>
+                    <a:lumOff val="15000"/>
+                  </a:schemeClr>
+                </a:solidFill>
+              </a:rPr>
+              <a:t>Avaliação</a:t>
+            </a:r>
+          </a:p>
+          <a:p>
+            <a:endParaRPr lang="pt-PT" sz="1600" dirty="0">
+              <a:solidFill>
+                <a:schemeClr val="tx1">
+                  <a:lumMod val="85000"/>
+                  <a:lumOff val="15000"/>
+                </a:schemeClr>
+              </a:solidFill>
+            </a:endParaRPr>
+          </a:p>
+          <a:p>
+            <a:r>
+              <a:rPr lang="pt-PT" sz="1600" dirty="0" smtClean="0">
+                <a:solidFill>
+                  <a:schemeClr val="tx1">
+                    <a:lumMod val="85000"/>
+                    <a:lumOff val="15000"/>
+                  </a:schemeClr>
+                </a:solidFill>
+              </a:rPr>
+              <a:t>- Avaliações realizadas pela dependência</a:t>
+            </a:r>
+            <a:endParaRPr lang="pt-PT" sz="1600" dirty="0">
+              <a:solidFill>
+                <a:schemeClr val="tx1">
+                  <a:lumMod val="85000"/>
+                  <a:lumOff val="15000"/>
+                </a:schemeClr>
+              </a:solidFill>
+            </a:endParaRPr>
+          </a:p>
+          <a:p>
+            <a:pPr algn="ctr"/>
+            <a:endParaRPr lang="pt-PT" sz="1600" dirty="0" smtClean="0">
+              <a:solidFill>
+                <a:schemeClr val="tx1">
+                  <a:lumMod val="85000"/>
+                  <a:lumOff val="15000"/>
+                </a:schemeClr>
+              </a:solidFill>
+            </a:endParaRPr>
+          </a:p>
+          <a:p>
+            <a:endParaRPr lang="pt-PT" sz="1600" dirty="0" smtClean="0">
+              <a:solidFill>
+                <a:schemeClr val="tx1">
+                  <a:lumMod val="85000"/>
+                  <a:lumOff val="15000"/>
+                </a:schemeClr>
+              </a:solidFill>
+            </a:endParaRPr>
+          </a:p>
+        </p:txBody>
+      </p:sp>
+      <p:sp>
+        <p:nvSpPr>
+          <p:cNvPr id="19" name="Retângulo de cantos arredondados 18"/>
+          <p:cNvSpPr/>
+          <p:nvPr/>
+        </p:nvSpPr>
+        <p:spPr>
+          <a:xfrm>
+            <a:off x="7340963" y="2125014"/>
+            <a:ext cx="3773511" cy="1030310"/>
+          </a:xfrm>
+          <a:prstGeom prst="roundRect">
+            <a:avLst/>
+          </a:prstGeom>
+          <a:solidFill>
+            <a:schemeClr val="bg1">
+              <a:lumMod val="95000"/>
+            </a:schemeClr>
+          </a:solidFill>
+          <a:ln>
+            <a:solidFill>
+              <a:schemeClr val="bg1">
+                <a:lumMod val="75000"/>
+              </a:schemeClr>
+            </a:solidFill>
+          </a:ln>
+        </p:spPr>
+        <p:style>
+          <a:lnRef idx="2">
+            <a:schemeClr val="accent1">
+              <a:shade val="50000"/>
+            </a:schemeClr>
+          </a:lnRef>
+          <a:fillRef idx="1">
+            <a:schemeClr val="accent1"/>
+          </a:fillRef>
+          <a:effectRef idx="0">
+            <a:schemeClr val="accent1"/>
+          </a:effectRef>
+          <a:fontRef idx="minor">
+            <a:schemeClr val="lt1"/>
+          </a:fontRef>
+        </p:style>
+        <p:txBody>
+          <a:bodyPr rtlCol="0" anchor="ctr"/>
+          <a:lstStyle/>
+          <a:p>
+            <a:r>
+              <a:rPr lang="pt-PT" sz="1600" dirty="0" smtClean="0">
+                <a:solidFill>
+                  <a:schemeClr val="tx1">
+                    <a:lumMod val="85000"/>
+                    <a:lumOff val="15000"/>
+                  </a:schemeClr>
+                </a:solidFill>
+              </a:rPr>
+              <a:t>Notificação</a:t>
+            </a:r>
+          </a:p>
+          <a:p>
+            <a:pPr algn="ctr"/>
+            <a:endParaRPr lang="pt-PT" sz="1600" dirty="0">
+              <a:solidFill>
+                <a:schemeClr val="tx1">
+                  <a:lumMod val="85000"/>
+                  <a:lumOff val="15000"/>
+                </a:schemeClr>
+              </a:solidFill>
+            </a:endParaRPr>
+          </a:p>
+          <a:p>
+            <a:r>
+              <a:rPr lang="pt-PT" sz="1600" dirty="0" smtClean="0">
+                <a:solidFill>
+                  <a:schemeClr val="tx1">
+                    <a:lumMod val="85000"/>
+                    <a:lumOff val="15000"/>
+                  </a:schemeClr>
+                </a:solidFill>
+              </a:rPr>
+              <a:t>- Pendências, Aviso e Dicas </a:t>
+            </a:r>
+            <a:endParaRPr lang="pt-BR" sz="1600" dirty="0">
+              <a:solidFill>
+                <a:schemeClr val="tx1">
+                  <a:lumMod val="85000"/>
+                  <a:lumOff val="15000"/>
+                </a:schemeClr>
+              </a:solidFill>
+            </a:endParaRPr>
+          </a:p>
+        </p:txBody>
+      </p:sp>
+      <p:sp>
+        <p:nvSpPr>
+          <p:cNvPr id="20" name="CaixaDeTexto 19"/>
+          <p:cNvSpPr txBox="1"/>
+          <p:nvPr/>
+        </p:nvSpPr>
+        <p:spPr>
+          <a:xfrm>
+            <a:off x="3387143" y="2240922"/>
+            <a:ext cx="2560894" cy="738664"/>
+          </a:xfrm>
+          <a:prstGeom prst="rect">
+            <a:avLst/>
+          </a:prstGeom>
+          <a:noFill/>
+        </p:spPr>
+        <p:txBody>
+          <a:bodyPr wrap="none" rtlCol="0">
+            <a:spAutoFit/>
+          </a:bodyPr>
+          <a:lstStyle/>
+          <a:p>
+            <a:r>
+              <a:rPr lang="pt-PT" sz="1400" dirty="0" smtClean="0"/>
+              <a:t>9099-00 Cesup Plataforma SP</a:t>
+            </a:r>
+          </a:p>
+          <a:p>
+            <a:r>
+              <a:rPr lang="pt-PT" sz="1400" dirty="0" smtClean="0"/>
+              <a:t>Rua Libero Badaró, 565 4ª Andar</a:t>
+            </a:r>
+          </a:p>
+          <a:p>
+            <a:r>
+              <a:rPr lang="pt-PT" sz="1400" dirty="0" smtClean="0"/>
+              <a:t>Tel: (11) 2242-3600</a:t>
+            </a:r>
+            <a:endParaRPr lang="pt-BR" sz="1400" dirty="0"/>
+          </a:p>
+        </p:txBody>
+      </p:sp>
+      <p:pic>
+        <p:nvPicPr>
+          <p:cNvPr id="23" name="Imagem 22"/>
+          <p:cNvPicPr>
+            <a:picLocks noChangeAspect="1"/>
+          </p:cNvPicPr>
+          <p:nvPr/>
+        </p:nvPicPr>
+        <p:blipFill>
+          <a:blip r:embed="rId3"/>
+          <a:stretch>
+            <a:fillRect/>
+          </a:stretch>
+        </p:blipFill>
+        <p:spPr>
+          <a:xfrm>
+            <a:off x="10751863" y="2228044"/>
+            <a:ext cx="285333" cy="262322"/>
+          </a:xfrm>
+          <a:prstGeom prst="rect">
+            <a:avLst/>
+          </a:prstGeom>
+        </p:spPr>
+      </p:pic>
+      <p:pic>
+        <p:nvPicPr>
+          <p:cNvPr id="24" name="Imagem 23"/>
+          <p:cNvPicPr>
+            <a:picLocks noChangeAspect="1"/>
+          </p:cNvPicPr>
+          <p:nvPr/>
+        </p:nvPicPr>
+        <p:blipFill>
+          <a:blip r:embed="rId4"/>
+          <a:stretch>
+            <a:fillRect/>
+          </a:stretch>
+        </p:blipFill>
+        <p:spPr>
+          <a:xfrm>
+            <a:off x="10792241" y="3480883"/>
+            <a:ext cx="204576" cy="204576"/>
+          </a:xfrm>
+          <a:prstGeom prst="rect">
+            <a:avLst/>
+          </a:prstGeom>
+        </p:spPr>
+      </p:pic>
+      <p:pic>
+        <p:nvPicPr>
+          <p:cNvPr id="25" name="Imagem 24"/>
+          <p:cNvPicPr>
+            <a:picLocks noChangeAspect="1"/>
+          </p:cNvPicPr>
+          <p:nvPr/>
+        </p:nvPicPr>
+        <p:blipFill>
+          <a:blip r:embed="rId5"/>
+          <a:stretch>
+            <a:fillRect/>
+          </a:stretch>
+        </p:blipFill>
+        <p:spPr>
+          <a:xfrm>
+            <a:off x="6742083" y="4949080"/>
+            <a:ext cx="264017" cy="219184"/>
+          </a:xfrm>
+          <a:prstGeom prst="rect">
+            <a:avLst/>
+          </a:prstGeom>
+        </p:spPr>
+      </p:pic>
+      <p:pic>
+        <p:nvPicPr>
+          <p:cNvPr id="26" name="Imagem 25"/>
+          <p:cNvPicPr>
+            <a:picLocks noChangeAspect="1"/>
+          </p:cNvPicPr>
+          <p:nvPr/>
+        </p:nvPicPr>
+        <p:blipFill>
+          <a:blip r:embed="rId6"/>
+          <a:stretch>
+            <a:fillRect/>
+          </a:stretch>
+        </p:blipFill>
+        <p:spPr>
+          <a:xfrm>
+            <a:off x="10777622" y="4937252"/>
+            <a:ext cx="273888" cy="256770"/>
+          </a:xfrm>
+          <a:prstGeom prst="rect">
+            <a:avLst/>
+          </a:prstGeom>
+        </p:spPr>
+      </p:pic>
+      <p:pic>
+        <p:nvPicPr>
+          <p:cNvPr id="27" name="Imagem 26"/>
+          <p:cNvPicPr>
+            <a:picLocks noChangeAspect="1"/>
+          </p:cNvPicPr>
+          <p:nvPr/>
+        </p:nvPicPr>
+        <p:blipFill>
+          <a:blip r:embed="rId7"/>
+          <a:stretch>
+            <a:fillRect/>
+          </a:stretch>
+        </p:blipFill>
+        <p:spPr>
+          <a:xfrm>
+            <a:off x="6742083" y="3436935"/>
+            <a:ext cx="264017" cy="218942"/>
           </a:xfrm>
           <a:prstGeom prst="rect">
             <a:avLst/>
@@ -3939,7 +4849,7 @@
                 <a:latin typeface="Arial" panose="020B0604020202020204" pitchFamily="34" charset="0"/>
                 <a:cs typeface="Arial" panose="020B0604020202020204" pitchFamily="34" charset="0"/>
               </a:rPr>
-              <a:t>Tela do Detalhe da Demanda</a:t>
+              <a:t>Visão Cliente</a:t>
             </a:r>
             <a:endParaRPr lang="pt-BR" sz="2800" b="1" dirty="0">
               <a:solidFill>
@@ -3951,36 +4861,170 @@
           </a:p>
         </p:txBody>
       </p:sp>
-      <p:pic>
-        <p:nvPicPr>
-          <p:cNvPr id="3" name="Imagem 2"/>
-          <p:cNvPicPr>
-            <a:picLocks noChangeAspect="1"/>
-          </p:cNvPicPr>
+      <p:sp>
+        <p:nvSpPr>
+          <p:cNvPr id="5" name="CaixaDeTexto 4"/>
+          <p:cNvSpPr txBox="1"/>
           <p:nvPr/>
-        </p:nvPicPr>
-        <p:blipFill>
-          <a:blip r:embed="rId2">
-            <a:extLst>
-              <a:ext uri="{28A0092B-C50C-407E-A947-70E740481C1C}">
-                <a14:useLocalDpi xmlns:a14="http://schemas.microsoft.com/office/drawing/2010/main" val="0"/>
-              </a:ext>
-            </a:extLst>
-          </a:blip>
-          <a:stretch>
-            <a:fillRect/>
-          </a:stretch>
-        </p:blipFill>
-        <p:spPr>
-          <a:xfrm>
-            <a:off x="1323949" y="1076325"/>
-            <a:ext cx="8309448" cy="5164128"/>
+        </p:nvSpPr>
+        <p:spPr>
+          <a:xfrm>
+            <a:off x="794762" y="1052894"/>
+            <a:ext cx="11363239" cy="5632311"/>
           </a:xfrm>
           <a:prstGeom prst="rect">
             <a:avLst/>
           </a:prstGeom>
-        </p:spPr>
-      </p:pic>
+          <a:noFill/>
+        </p:spPr>
+        <p:txBody>
+          <a:bodyPr wrap="none" rtlCol="0">
+            <a:spAutoFit/>
+          </a:bodyPr>
+          <a:lstStyle/>
+          <a:p>
+            <a:r>
+              <a:rPr lang="pt-BR" sz="2400" dirty="0"/>
+              <a:t>Para o Cliente</a:t>
+            </a:r>
+            <a:r>
+              <a:rPr lang="pt-BR" sz="2400" dirty="0" smtClean="0"/>
+              <a:t>:</a:t>
+            </a:r>
+          </a:p>
+          <a:p>
+            <a:endParaRPr lang="pt-BR" sz="2400" dirty="0"/>
+          </a:p>
+          <a:p>
+            <a:pPr marL="285750" indent="-285750">
+              <a:buFont typeface="Arial" panose="020B0604020202020204" pitchFamily="34" charset="0"/>
+              <a:buChar char="•"/>
+            </a:pPr>
+            <a:r>
+              <a:rPr lang="pt-BR" sz="2400" dirty="0"/>
+              <a:t>Área de Histórico das Demandas, com a possibilidade de visualizar os serviços </a:t>
+            </a:r>
+            <a:r>
+              <a:rPr lang="pt-BR" sz="2400" dirty="0" smtClean="0"/>
+              <a:t>que</a:t>
+            </a:r>
+          </a:p>
+          <a:p>
+            <a:r>
+              <a:rPr lang="pt-BR" sz="2400" dirty="0" smtClean="0"/>
+              <a:t>ele </a:t>
+            </a:r>
+            <a:r>
+              <a:rPr lang="pt-BR" sz="2400" dirty="0"/>
+              <a:t>já demandou ao </a:t>
+            </a:r>
+            <a:r>
+              <a:rPr lang="pt-BR" sz="2400" dirty="0" err="1" smtClean="0"/>
+              <a:t>Cesup</a:t>
+            </a:r>
+            <a:r>
+              <a:rPr lang="pt-BR" sz="2400" dirty="0" smtClean="0"/>
+              <a:t>.</a:t>
+            </a:r>
+          </a:p>
+          <a:p>
+            <a:endParaRPr lang="pt-BR" sz="2400" dirty="0"/>
+          </a:p>
+          <a:p>
+            <a:pPr marL="285750" indent="-285750">
+              <a:buFont typeface="Arial" panose="020B0604020202020204" pitchFamily="34" charset="0"/>
+              <a:buChar char="•"/>
+            </a:pPr>
+            <a:r>
+              <a:rPr lang="pt-BR" sz="2400" dirty="0"/>
+              <a:t>Área de Visitas, poderia trazer as visitas já realizadas e visitas agendadas para </a:t>
+            </a:r>
+            <a:r>
+              <a:rPr lang="pt-BR" sz="2400" dirty="0" smtClean="0"/>
+              <a:t>aquela</a:t>
+            </a:r>
+          </a:p>
+          <a:p>
+            <a:r>
+              <a:rPr lang="pt-BR" sz="2400" dirty="0" smtClean="0"/>
+              <a:t>dependência.</a:t>
+            </a:r>
+          </a:p>
+          <a:p>
+            <a:endParaRPr lang="pt-BR" sz="2400" dirty="0"/>
+          </a:p>
+          <a:p>
+            <a:pPr marL="285750" indent="-285750">
+              <a:buFont typeface="Arial" panose="020B0604020202020204" pitchFamily="34" charset="0"/>
+              <a:buChar char="•"/>
+            </a:pPr>
+            <a:r>
+              <a:rPr lang="pt-BR" sz="2400" dirty="0"/>
+              <a:t>Área de Notificações, onde poderia informar </a:t>
+            </a:r>
+            <a:r>
+              <a:rPr lang="pt-BR" sz="2400" dirty="0" smtClean="0"/>
+              <a:t>pendências que </a:t>
+            </a:r>
+            <a:r>
+              <a:rPr lang="pt-BR" sz="2400" dirty="0"/>
+              <a:t>ele precisa fazer </a:t>
+            </a:r>
+            <a:r>
+              <a:rPr lang="pt-BR" sz="2400" dirty="0" smtClean="0"/>
+              <a:t>alguma </a:t>
+            </a:r>
+          </a:p>
+          <a:p>
+            <a:r>
+              <a:rPr lang="pt-BR" sz="2400" dirty="0"/>
+              <a:t>a</a:t>
+            </a:r>
+            <a:r>
+              <a:rPr lang="pt-BR" sz="2400" dirty="0" smtClean="0"/>
+              <a:t>ção, avisos de campanhas e dicas de preservação do local.</a:t>
+            </a:r>
+          </a:p>
+          <a:p>
+            <a:endParaRPr lang="pt-BR" sz="2400" dirty="0"/>
+          </a:p>
+          <a:p>
+            <a:pPr marL="285750" indent="-285750">
+              <a:buFont typeface="Arial" panose="020B0604020202020204" pitchFamily="34" charset="0"/>
+              <a:buChar char="•"/>
+            </a:pPr>
+            <a:r>
+              <a:rPr lang="pt-BR" sz="2400" dirty="0"/>
+              <a:t>Área de Relacionamento, onde teria informações das avaliações </a:t>
+            </a:r>
+            <a:r>
+              <a:rPr lang="pt-BR" sz="2400" dirty="0" smtClean="0"/>
+              <a:t>realizadas.</a:t>
+            </a:r>
+          </a:p>
+          <a:p>
+            <a:pPr marL="285750" indent="-285750">
+              <a:buFont typeface="Arial" panose="020B0604020202020204" pitchFamily="34" charset="0"/>
+              <a:buChar char="•"/>
+            </a:pPr>
+            <a:endParaRPr lang="pt-PT" sz="2400" dirty="0"/>
+          </a:p>
+          <a:p>
+            <a:pPr marL="285750" indent="-285750">
+              <a:buFont typeface="Arial" panose="020B0604020202020204" pitchFamily="34" charset="0"/>
+              <a:buChar char="•"/>
+            </a:pPr>
+            <a:r>
+              <a:rPr lang="pt-PT" sz="2400" dirty="0" smtClean="0"/>
+              <a:t>Área de Arquivos, onde estaria os anexos que aquela dependência gerou.</a:t>
+            </a:r>
+            <a:endParaRPr lang="pt-BR" sz="2400" dirty="0"/>
+          </a:p>
+          <a:p>
+            <a:endParaRPr lang="pt-BR" sz="2400" dirty="0"/>
+          </a:p>
+        </p:txBody>
+      </p:sp>
     </p:spTree>
     <p:extLst>
       <p:ext uri="{BB962C8B-B14F-4D97-AF65-F5344CB8AC3E}">
@@ -4068,7 +5112,7 @@
                 <a:latin typeface="Arial" panose="020B0604020202020204" pitchFamily="34" charset="0"/>
                 <a:cs typeface="Arial" panose="020B0604020202020204" pitchFamily="34" charset="0"/>
               </a:rPr>
-              <a:t>Ganhos</a:t>
+              <a:t>Tela do Extrato da Dependência</a:t>
             </a:r>
             <a:endParaRPr lang="pt-BR" sz="2800" b="1" dirty="0">
               <a:solidFill>
@@ -4082,14 +5126,14 @@
       </p:sp>
       <p:sp>
         <p:nvSpPr>
-          <p:cNvPr id="3" name="CaixaDeTexto 2"/>
+          <p:cNvPr id="6" name="CaixaDeTexto 5"/>
           <p:cNvSpPr txBox="1"/>
           <p:nvPr/>
         </p:nvSpPr>
         <p:spPr>
           <a:xfrm>
-            <a:off x="643944" y="1880316"/>
-            <a:ext cx="11036355" cy="3477875"/>
+            <a:off x="7340963" y="340617"/>
+            <a:ext cx="1597232" cy="461665"/>
           </a:xfrm>
           <a:prstGeom prst="rect">
             <a:avLst/>
@@ -4102,114 +5146,898 @@
           </a:bodyPr>
           <a:lstStyle/>
           <a:p>
-            <a:pPr marL="342900" indent="-342900">
-              <a:buFontTx/>
-              <a:buChar char="-"/>
-            </a:pPr>
-            <a:r>
-              <a:rPr lang="pt-BR" sz="2000" dirty="0" smtClean="0"/>
-              <a:t>Possibilidade de registrar os contatos com nosso cliente.</a:t>
-            </a:r>
-          </a:p>
-          <a:p>
-            <a:pPr marL="342900" indent="-342900">
-              <a:buFontTx/>
-              <a:buChar char="-"/>
-            </a:pPr>
-            <a:endParaRPr lang="pt-BR" sz="2000" dirty="0" smtClean="0"/>
-          </a:p>
-          <a:p>
-            <a:r>
-              <a:rPr lang="pt-BR" sz="2000" dirty="0" smtClean="0"/>
-              <a:t>-    Possibilidade dos integrantes da equipe saber que aquele cliente, já teve um feedback.</a:t>
-            </a:r>
-          </a:p>
-          <a:p>
-            <a:endParaRPr lang="pt-BR" sz="2000" dirty="0" smtClean="0"/>
-          </a:p>
-          <a:p>
-            <a:pPr marL="285750" indent="-285750">
-              <a:buFontTx/>
-              <a:buChar char="-"/>
-            </a:pPr>
-            <a:r>
-              <a:rPr lang="pt-BR" sz="2000" dirty="0" smtClean="0"/>
-              <a:t>Com o Histórico de Contato e Avaliação do Demandante no 'Detalhe da Demanda', o condutor teria a </a:t>
-            </a:r>
-          </a:p>
-          <a:p>
-            <a:r>
-              <a:rPr lang="pt-BR" sz="2000" dirty="0" smtClean="0"/>
-              <a:t>informação de forma rápida, o </a:t>
-            </a:r>
-            <a:r>
-              <a:rPr lang="pt-BR" sz="2000" dirty="0"/>
-              <a:t>resumo de como foi a experiência do </a:t>
-            </a:r>
-            <a:r>
-              <a:rPr lang="pt-BR" sz="2000" dirty="0" smtClean="0"/>
-              <a:t>cliente e se houve feedback algum </a:t>
-            </a:r>
-          </a:p>
-          <a:p>
-            <a:r>
-              <a:rPr lang="pt-BR" sz="2000" dirty="0" smtClean="0"/>
-              <a:t>feedback.</a:t>
-            </a:r>
-          </a:p>
-          <a:p>
-            <a:endParaRPr lang="pt-BR" sz="2000" dirty="0" smtClean="0"/>
-          </a:p>
-          <a:p>
-            <a:r>
-              <a:rPr lang="pt-BR" sz="2000" dirty="0" smtClean="0"/>
-              <a:t>-    </a:t>
-            </a:r>
-            <a:r>
-              <a:rPr lang="pt-BR" sz="2000" dirty="0"/>
-              <a:t>Com a avaliação e o registro de contato, </a:t>
-            </a:r>
-            <a:r>
-              <a:rPr lang="pt-BR" sz="2000" dirty="0" smtClean="0"/>
-              <a:t>teríamos o histórico de relacionamento </a:t>
-            </a:r>
-            <a:r>
-              <a:rPr lang="pt-BR" sz="2000" dirty="0"/>
-              <a:t>com o cliente, </a:t>
-            </a:r>
-          </a:p>
-          <a:p>
-            <a:r>
-              <a:rPr lang="pt-BR" sz="2000" dirty="0"/>
-              <a:t>para fazer uma análise e entender o perfil e sua </a:t>
-            </a:r>
-            <a:r>
-              <a:rPr lang="pt-BR" sz="2000" dirty="0" smtClean="0"/>
-              <a:t>experiência </a:t>
-            </a:r>
-            <a:r>
-              <a:rPr lang="pt-BR" sz="2000" dirty="0"/>
-              <a:t>com o </a:t>
-            </a:r>
-            <a:r>
-              <a:rPr lang="pt-BR" sz="2000" dirty="0" err="1" smtClean="0"/>
-              <a:t>Cesup</a:t>
-            </a:r>
-            <a:r>
-              <a:rPr lang="pt-BR" sz="2000" dirty="0" smtClean="0"/>
-              <a:t>.</a:t>
-            </a:r>
-            <a:endParaRPr lang="pt-BR" sz="2000" dirty="0"/>
-          </a:p>
-          <a:p>
-            <a:endParaRPr lang="pt-BR" sz="2000" dirty="0"/>
-          </a:p>
-        </p:txBody>
-      </p:sp>
+            <a:r>
+              <a:rPr lang="pt-PT" sz="2400" b="1" dirty="0" smtClean="0"/>
+              <a:t>Visão Rede</a:t>
+            </a:r>
+            <a:endParaRPr lang="pt-BR" sz="2400" b="1" dirty="0"/>
+          </a:p>
+        </p:txBody>
+      </p:sp>
+      <p:pic>
+        <p:nvPicPr>
+          <p:cNvPr id="8" name="Imagem 7"/>
+          <p:cNvPicPr>
+            <a:picLocks noChangeAspect="1"/>
+          </p:cNvPicPr>
+          <p:nvPr/>
+        </p:nvPicPr>
+        <p:blipFill>
+          <a:blip r:embed="rId2">
+            <a:extLst>
+              <a:ext uri="{28A0092B-C50C-407E-A947-70E740481C1C}">
+                <a14:useLocalDpi xmlns:a14="http://schemas.microsoft.com/office/drawing/2010/main" val="0"/>
+              </a:ext>
+            </a:extLst>
+          </a:blip>
+          <a:stretch>
+            <a:fillRect/>
+          </a:stretch>
+        </p:blipFill>
+        <p:spPr>
+          <a:xfrm>
+            <a:off x="978795" y="1140720"/>
+            <a:ext cx="10367493" cy="4925319"/>
+          </a:xfrm>
+          <a:prstGeom prst="rect">
+            <a:avLst/>
+          </a:prstGeom>
+          <a:solidFill>
+            <a:schemeClr val="bg1">
+              <a:lumMod val="95000"/>
+            </a:schemeClr>
+          </a:solidFill>
+        </p:spPr>
+      </p:pic>
+      <p:sp>
+        <p:nvSpPr>
+          <p:cNvPr id="9" name="Retângulo 8"/>
+          <p:cNvSpPr/>
+          <p:nvPr/>
+        </p:nvSpPr>
+        <p:spPr>
+          <a:xfrm>
+            <a:off x="3309870" y="3374265"/>
+            <a:ext cx="3773510" cy="1262136"/>
+          </a:xfrm>
+          <a:prstGeom prst="rect">
+            <a:avLst/>
+          </a:prstGeom>
+          <a:solidFill>
+            <a:schemeClr val="bg1">
+              <a:lumMod val="95000"/>
+            </a:schemeClr>
+          </a:solidFill>
+          <a:ln>
+            <a:solidFill>
+              <a:schemeClr val="bg1">
+                <a:lumMod val="75000"/>
+              </a:schemeClr>
+            </a:solidFill>
+          </a:ln>
+        </p:spPr>
+        <p:style>
+          <a:lnRef idx="2">
+            <a:schemeClr val="accent1">
+              <a:shade val="50000"/>
+            </a:schemeClr>
+          </a:lnRef>
+          <a:fillRef idx="1">
+            <a:schemeClr val="accent1"/>
+          </a:fillRef>
+          <a:effectRef idx="0">
+            <a:schemeClr val="accent1"/>
+          </a:effectRef>
+          <a:fontRef idx="minor">
+            <a:schemeClr val="lt1"/>
+          </a:fontRef>
+        </p:style>
+        <p:txBody>
+          <a:bodyPr rtlCol="0" anchor="ctr"/>
+          <a:lstStyle/>
+          <a:p>
+            <a:endParaRPr lang="pt-PT" sz="1600" dirty="0" smtClean="0">
+              <a:solidFill>
+                <a:schemeClr val="tx1">
+                  <a:lumMod val="85000"/>
+                  <a:lumOff val="15000"/>
+                </a:schemeClr>
+              </a:solidFill>
+            </a:endParaRPr>
+          </a:p>
+          <a:p>
+            <a:endParaRPr lang="pt-PT" sz="1600" dirty="0">
+              <a:solidFill>
+                <a:schemeClr val="tx1">
+                  <a:lumMod val="85000"/>
+                  <a:lumOff val="15000"/>
+                </a:schemeClr>
+              </a:solidFill>
+            </a:endParaRPr>
+          </a:p>
+          <a:p>
+            <a:endParaRPr lang="pt-PT" sz="1600" dirty="0" smtClean="0">
+              <a:solidFill>
+                <a:schemeClr val="tx1">
+                  <a:lumMod val="85000"/>
+                  <a:lumOff val="15000"/>
+                </a:schemeClr>
+              </a:solidFill>
+            </a:endParaRPr>
+          </a:p>
+          <a:p>
+            <a:r>
+              <a:rPr lang="pt-PT" sz="1600" dirty="0" smtClean="0">
+                <a:solidFill>
+                  <a:schemeClr val="tx1">
+                    <a:lumMod val="85000"/>
+                    <a:lumOff val="15000"/>
+                  </a:schemeClr>
+                </a:solidFill>
+              </a:rPr>
+              <a:t>Demandas</a:t>
+            </a:r>
+          </a:p>
+          <a:p>
+            <a:endParaRPr lang="pt-PT" sz="1600" dirty="0" smtClean="0">
+              <a:solidFill>
+                <a:schemeClr val="tx1">
+                  <a:lumMod val="85000"/>
+                  <a:lumOff val="15000"/>
+                </a:schemeClr>
+              </a:solidFill>
+            </a:endParaRPr>
+          </a:p>
+          <a:p>
+            <a:r>
+              <a:rPr lang="pt-PT" sz="1600" dirty="0" smtClean="0">
+                <a:solidFill>
+                  <a:schemeClr val="tx1">
+                    <a:lumMod val="85000"/>
+                    <a:lumOff val="15000"/>
+                  </a:schemeClr>
+                </a:solidFill>
+              </a:rPr>
+              <a:t>- Histórico das demandas solicitadas</a:t>
+            </a:r>
+            <a:endParaRPr lang="pt-PT" sz="1600" dirty="0">
+              <a:solidFill>
+                <a:schemeClr val="tx1">
+                  <a:lumMod val="85000"/>
+                  <a:lumOff val="15000"/>
+                </a:schemeClr>
+              </a:solidFill>
+            </a:endParaRPr>
+          </a:p>
+          <a:p>
+            <a:endParaRPr lang="pt-PT" sz="1600" dirty="0" smtClean="0">
+              <a:solidFill>
+                <a:schemeClr val="tx1">
+                  <a:lumMod val="85000"/>
+                  <a:lumOff val="15000"/>
+                </a:schemeClr>
+              </a:solidFill>
+            </a:endParaRPr>
+          </a:p>
+          <a:p>
+            <a:endParaRPr lang="pt-PT" sz="1600" dirty="0">
+              <a:solidFill>
+                <a:schemeClr val="tx1">
+                  <a:lumMod val="85000"/>
+                  <a:lumOff val="15000"/>
+                </a:schemeClr>
+              </a:solidFill>
+            </a:endParaRPr>
+          </a:p>
+          <a:p>
+            <a:endParaRPr lang="pt-PT" sz="1600" dirty="0" smtClean="0">
+              <a:solidFill>
+                <a:schemeClr val="tx1">
+                  <a:lumMod val="85000"/>
+                  <a:lumOff val="15000"/>
+                </a:schemeClr>
+              </a:solidFill>
+            </a:endParaRPr>
+          </a:p>
+          <a:p>
+            <a:endParaRPr lang="pt-BR" sz="1600" dirty="0">
+              <a:solidFill>
+                <a:schemeClr val="tx1">
+                  <a:lumMod val="85000"/>
+                  <a:lumOff val="15000"/>
+                </a:schemeClr>
+              </a:solidFill>
+            </a:endParaRPr>
+          </a:p>
+        </p:txBody>
+      </p:sp>
+      <p:sp>
+        <p:nvSpPr>
+          <p:cNvPr id="10" name="Retângulo 9"/>
+          <p:cNvSpPr/>
+          <p:nvPr/>
+        </p:nvSpPr>
+        <p:spPr>
+          <a:xfrm>
+            <a:off x="7340963" y="3374264"/>
+            <a:ext cx="3773511" cy="1254255"/>
+          </a:xfrm>
+          <a:prstGeom prst="rect">
+            <a:avLst/>
+          </a:prstGeom>
+          <a:solidFill>
+            <a:schemeClr val="bg1">
+              <a:lumMod val="95000"/>
+            </a:schemeClr>
+          </a:solidFill>
+          <a:ln>
+            <a:solidFill>
+              <a:schemeClr val="bg1">
+                <a:lumMod val="75000"/>
+              </a:schemeClr>
+            </a:solidFill>
+          </a:ln>
+        </p:spPr>
+        <p:style>
+          <a:lnRef idx="2">
+            <a:schemeClr val="accent1">
+              <a:shade val="50000"/>
+            </a:schemeClr>
+          </a:lnRef>
+          <a:fillRef idx="1">
+            <a:schemeClr val="accent1"/>
+          </a:fillRef>
+          <a:effectRef idx="0">
+            <a:schemeClr val="accent1"/>
+          </a:effectRef>
+          <a:fontRef idx="minor">
+            <a:schemeClr val="lt1"/>
+          </a:fontRef>
+        </p:style>
+        <p:txBody>
+          <a:bodyPr rtlCol="0" anchor="ctr"/>
+          <a:lstStyle/>
+          <a:p>
+            <a:endParaRPr lang="pt-PT" sz="1600" dirty="0" smtClean="0">
+              <a:solidFill>
+                <a:schemeClr val="tx1">
+                  <a:lumMod val="85000"/>
+                  <a:lumOff val="15000"/>
+                </a:schemeClr>
+              </a:solidFill>
+            </a:endParaRPr>
+          </a:p>
+          <a:p>
+            <a:r>
+              <a:rPr lang="pt-PT" sz="1600" dirty="0" smtClean="0">
+                <a:solidFill>
+                  <a:schemeClr val="tx1">
+                    <a:lumMod val="85000"/>
+                    <a:lumOff val="15000"/>
+                  </a:schemeClr>
+                </a:solidFill>
+              </a:rPr>
+              <a:t>Visitas</a:t>
+            </a:r>
+          </a:p>
+          <a:p>
+            <a:endParaRPr lang="pt-PT" sz="1600" dirty="0">
+              <a:solidFill>
+                <a:schemeClr val="tx1">
+                  <a:lumMod val="85000"/>
+                  <a:lumOff val="15000"/>
+                </a:schemeClr>
+              </a:solidFill>
+            </a:endParaRPr>
+          </a:p>
+          <a:p>
+            <a:r>
+              <a:rPr lang="pt-PT" sz="1600" dirty="0" smtClean="0">
+                <a:solidFill>
+                  <a:schemeClr val="tx1">
+                    <a:lumMod val="85000"/>
+                    <a:lumOff val="15000"/>
+                  </a:schemeClr>
+                </a:solidFill>
+              </a:rPr>
+              <a:t>- Visistas Realizadas e Agendadas</a:t>
+            </a:r>
+          </a:p>
+          <a:p>
+            <a:r>
+              <a:rPr lang="pt-PT" sz="1600" dirty="0" smtClean="0">
+                <a:solidFill>
+                  <a:srgbClr val="0070C0"/>
+                </a:solidFill>
+              </a:rPr>
+              <a:t>- Reservas</a:t>
+            </a:r>
+          </a:p>
+          <a:p>
+            <a:endParaRPr lang="pt-BR" sz="1600" dirty="0">
+              <a:solidFill>
+                <a:schemeClr val="tx1">
+                  <a:lumMod val="85000"/>
+                  <a:lumOff val="15000"/>
+                </a:schemeClr>
+              </a:solidFill>
+            </a:endParaRPr>
+          </a:p>
+        </p:txBody>
+      </p:sp>
+      <p:sp>
+        <p:nvSpPr>
+          <p:cNvPr id="11" name="Retângulo de cantos arredondados 10"/>
+          <p:cNvSpPr/>
+          <p:nvPr/>
+        </p:nvSpPr>
+        <p:spPr>
+          <a:xfrm>
+            <a:off x="3129566" y="1609859"/>
+            <a:ext cx="8216722" cy="347730"/>
+          </a:xfrm>
+          <a:prstGeom prst="roundRect">
+            <a:avLst/>
+          </a:prstGeom>
+          <a:solidFill>
+            <a:srgbClr val="122D46"/>
+          </a:solidFill>
+        </p:spPr>
+        <p:style>
+          <a:lnRef idx="2">
+            <a:schemeClr val="accent1">
+              <a:shade val="50000"/>
+            </a:schemeClr>
+          </a:lnRef>
+          <a:fillRef idx="1">
+            <a:schemeClr val="accent1"/>
+          </a:fillRef>
+          <a:effectRef idx="0">
+            <a:schemeClr val="accent1"/>
+          </a:effectRef>
+          <a:fontRef idx="minor">
+            <a:schemeClr val="lt1"/>
+          </a:fontRef>
+        </p:style>
+        <p:txBody>
+          <a:bodyPr rtlCol="0" anchor="ctr"/>
+          <a:lstStyle/>
+          <a:p>
+            <a:r>
+              <a:rPr lang="pt-BR" sz="1600" b="1" dirty="0" smtClean="0"/>
+              <a:t>  Extrato da Depend</a:t>
+            </a:r>
+            <a:r>
+              <a:rPr lang="pt-PT" sz="1600" b="1" dirty="0" smtClean="0"/>
+              <a:t>ência</a:t>
+            </a:r>
+            <a:endParaRPr lang="pt-BR" sz="1600" b="1" dirty="0"/>
+          </a:p>
+        </p:txBody>
+      </p:sp>
+      <p:sp>
+        <p:nvSpPr>
+          <p:cNvPr id="12" name="Retângulo 11"/>
+          <p:cNvSpPr/>
+          <p:nvPr/>
+        </p:nvSpPr>
+        <p:spPr>
+          <a:xfrm>
+            <a:off x="3309870" y="4850795"/>
+            <a:ext cx="3773510" cy="1262136"/>
+          </a:xfrm>
+          <a:prstGeom prst="rect">
+            <a:avLst/>
+          </a:prstGeom>
+          <a:solidFill>
+            <a:schemeClr val="bg1">
+              <a:lumMod val="95000"/>
+            </a:schemeClr>
+          </a:solidFill>
+          <a:ln>
+            <a:solidFill>
+              <a:schemeClr val="bg1">
+                <a:lumMod val="75000"/>
+              </a:schemeClr>
+            </a:solidFill>
+          </a:ln>
+        </p:spPr>
+        <p:style>
+          <a:lnRef idx="2">
+            <a:schemeClr val="accent1">
+              <a:shade val="50000"/>
+            </a:schemeClr>
+          </a:lnRef>
+          <a:fillRef idx="1">
+            <a:schemeClr val="accent1"/>
+          </a:fillRef>
+          <a:effectRef idx="0">
+            <a:schemeClr val="accent1"/>
+          </a:effectRef>
+          <a:fontRef idx="minor">
+            <a:schemeClr val="lt1"/>
+          </a:fontRef>
+        </p:style>
+        <p:txBody>
+          <a:bodyPr rtlCol="0" anchor="ctr"/>
+          <a:lstStyle/>
+          <a:p>
+            <a:endParaRPr lang="pt-PT" sz="1600" dirty="0" smtClean="0">
+              <a:solidFill>
+                <a:schemeClr val="tx1">
+                  <a:lumMod val="85000"/>
+                  <a:lumOff val="15000"/>
+                </a:schemeClr>
+              </a:solidFill>
+            </a:endParaRPr>
+          </a:p>
+          <a:p>
+            <a:r>
+              <a:rPr lang="pt-PT" sz="1600" dirty="0" smtClean="0">
+                <a:solidFill>
+                  <a:schemeClr val="tx1">
+                    <a:lumMod val="85000"/>
+                    <a:lumOff val="15000"/>
+                  </a:schemeClr>
+                </a:solidFill>
+              </a:rPr>
+              <a:t>Arquivos</a:t>
+            </a:r>
+          </a:p>
+          <a:p>
+            <a:endParaRPr lang="pt-PT" sz="1600" dirty="0">
+              <a:solidFill>
+                <a:schemeClr val="tx1">
+                  <a:lumMod val="85000"/>
+                  <a:lumOff val="15000"/>
+                </a:schemeClr>
+              </a:solidFill>
+            </a:endParaRPr>
+          </a:p>
+          <a:p>
+            <a:r>
+              <a:rPr lang="pt-PT" sz="1600" dirty="0" smtClean="0">
+                <a:solidFill>
+                  <a:schemeClr val="tx1">
+                    <a:lumMod val="85000"/>
+                    <a:lumOff val="15000"/>
+                  </a:schemeClr>
+                </a:solidFill>
+              </a:rPr>
+              <a:t>- </a:t>
+            </a:r>
+            <a:r>
+              <a:rPr lang="pt-PT" sz="1600" dirty="0">
+                <a:solidFill>
+                  <a:schemeClr val="tx1">
+                    <a:lumMod val="85000"/>
+                    <a:lumOff val="15000"/>
+                  </a:schemeClr>
+                </a:solidFill>
+              </a:rPr>
+              <a:t>Anexos gerado pela dependência</a:t>
+            </a:r>
+            <a:endParaRPr lang="pt-BR" sz="1600" dirty="0">
+              <a:solidFill>
+                <a:schemeClr val="tx1">
+                  <a:lumMod val="85000"/>
+                  <a:lumOff val="15000"/>
+                </a:schemeClr>
+              </a:solidFill>
+            </a:endParaRPr>
+          </a:p>
+          <a:p>
+            <a:r>
+              <a:rPr lang="pt-PT" sz="1600" dirty="0" smtClean="0">
+                <a:solidFill>
+                  <a:srgbClr val="0070C0"/>
+                </a:solidFill>
+              </a:rPr>
+              <a:t>- </a:t>
+            </a:r>
+            <a:r>
+              <a:rPr lang="pt-PT" sz="1600" dirty="0">
+                <a:solidFill>
+                  <a:srgbClr val="0070C0"/>
+                </a:solidFill>
+              </a:rPr>
+              <a:t>Anexos gerado pela </a:t>
+            </a:r>
+            <a:r>
+              <a:rPr lang="pt-PT" sz="1600" dirty="0" smtClean="0">
+                <a:solidFill>
+                  <a:srgbClr val="0070C0"/>
+                </a:solidFill>
+              </a:rPr>
+              <a:t>Rede</a:t>
+            </a:r>
+            <a:endParaRPr lang="pt-BR" sz="1600" dirty="0">
+              <a:solidFill>
+                <a:srgbClr val="0070C0"/>
+              </a:solidFill>
+            </a:endParaRPr>
+          </a:p>
+          <a:p>
+            <a:endParaRPr lang="pt-BR" sz="1600" dirty="0">
+              <a:solidFill>
+                <a:schemeClr val="tx1">
+                  <a:lumMod val="85000"/>
+                  <a:lumOff val="15000"/>
+                </a:schemeClr>
+              </a:solidFill>
+            </a:endParaRPr>
+          </a:p>
+        </p:txBody>
+      </p:sp>
+      <p:sp>
+        <p:nvSpPr>
+          <p:cNvPr id="13" name="Retângulo 12"/>
+          <p:cNvSpPr/>
+          <p:nvPr/>
+        </p:nvSpPr>
+        <p:spPr>
+          <a:xfrm>
+            <a:off x="7340963" y="4837542"/>
+            <a:ext cx="3773511" cy="1254255"/>
+          </a:xfrm>
+          <a:prstGeom prst="rect">
+            <a:avLst/>
+          </a:prstGeom>
+          <a:solidFill>
+            <a:schemeClr val="bg1">
+              <a:lumMod val="95000"/>
+            </a:schemeClr>
+          </a:solidFill>
+          <a:ln>
+            <a:solidFill>
+              <a:schemeClr val="bg1">
+                <a:lumMod val="75000"/>
+              </a:schemeClr>
+            </a:solidFill>
+          </a:ln>
+        </p:spPr>
+        <p:style>
+          <a:lnRef idx="2">
+            <a:schemeClr val="accent1">
+              <a:shade val="50000"/>
+            </a:schemeClr>
+          </a:lnRef>
+          <a:fillRef idx="1">
+            <a:schemeClr val="accent1"/>
+          </a:fillRef>
+          <a:effectRef idx="0">
+            <a:schemeClr val="accent1"/>
+          </a:effectRef>
+          <a:fontRef idx="minor">
+            <a:schemeClr val="lt1"/>
+          </a:fontRef>
+        </p:style>
+        <p:txBody>
+          <a:bodyPr rtlCol="0" anchor="ctr"/>
+          <a:lstStyle/>
+          <a:p>
+            <a:endParaRPr lang="pt-PT" sz="1600" dirty="0" smtClean="0">
+              <a:solidFill>
+                <a:schemeClr val="tx1">
+                  <a:lumMod val="85000"/>
+                  <a:lumOff val="15000"/>
+                </a:schemeClr>
+              </a:solidFill>
+            </a:endParaRPr>
+          </a:p>
+          <a:p>
+            <a:r>
+              <a:rPr lang="pt-PT" sz="1600" dirty="0" smtClean="0">
+                <a:solidFill>
+                  <a:schemeClr val="tx1">
+                    <a:lumMod val="85000"/>
+                    <a:lumOff val="15000"/>
+                  </a:schemeClr>
+                </a:solidFill>
+              </a:rPr>
+              <a:t>Avaliação</a:t>
+            </a:r>
+          </a:p>
+          <a:p>
+            <a:endParaRPr lang="pt-PT" sz="1600" dirty="0">
+              <a:solidFill>
+                <a:schemeClr val="tx1">
+                  <a:lumMod val="85000"/>
+                  <a:lumOff val="15000"/>
+                </a:schemeClr>
+              </a:solidFill>
+            </a:endParaRPr>
+          </a:p>
+          <a:p>
+            <a:r>
+              <a:rPr lang="pt-PT" sz="1600" dirty="0" smtClean="0">
+                <a:solidFill>
+                  <a:schemeClr val="tx1">
+                    <a:lumMod val="85000"/>
+                    <a:lumOff val="15000"/>
+                  </a:schemeClr>
+                </a:solidFill>
+              </a:rPr>
+              <a:t>- Avaliações realizadas pela dependência</a:t>
+            </a:r>
+            <a:endParaRPr lang="pt-PT" sz="1600" dirty="0">
+              <a:solidFill>
+                <a:schemeClr val="tx1">
+                  <a:lumMod val="85000"/>
+                  <a:lumOff val="15000"/>
+                </a:schemeClr>
+              </a:solidFill>
+            </a:endParaRPr>
+          </a:p>
+          <a:p>
+            <a:r>
+              <a:rPr lang="pt-PT" sz="1600" dirty="0" smtClean="0">
+                <a:solidFill>
+                  <a:srgbClr val="0070C0"/>
+                </a:solidFill>
+              </a:rPr>
+              <a:t>- Registro de Contatos</a:t>
+            </a:r>
+          </a:p>
+          <a:p>
+            <a:endParaRPr lang="pt-PT" sz="1600" dirty="0" smtClean="0">
+              <a:solidFill>
+                <a:schemeClr val="tx1">
+                  <a:lumMod val="85000"/>
+                  <a:lumOff val="15000"/>
+                </a:schemeClr>
+              </a:solidFill>
+            </a:endParaRPr>
+          </a:p>
+        </p:txBody>
+      </p:sp>
+      <p:sp>
+        <p:nvSpPr>
+          <p:cNvPr id="14" name="Retângulo de cantos arredondados 13"/>
+          <p:cNvSpPr/>
+          <p:nvPr/>
+        </p:nvSpPr>
+        <p:spPr>
+          <a:xfrm>
+            <a:off x="7340963" y="2125014"/>
+            <a:ext cx="3773511" cy="1030310"/>
+          </a:xfrm>
+          <a:prstGeom prst="roundRect">
+            <a:avLst/>
+          </a:prstGeom>
+          <a:solidFill>
+            <a:schemeClr val="bg1">
+              <a:lumMod val="95000"/>
+            </a:schemeClr>
+          </a:solidFill>
+          <a:ln>
+            <a:solidFill>
+              <a:schemeClr val="bg1">
+                <a:lumMod val="75000"/>
+              </a:schemeClr>
+            </a:solidFill>
+          </a:ln>
+        </p:spPr>
+        <p:style>
+          <a:lnRef idx="2">
+            <a:schemeClr val="accent1">
+              <a:shade val="50000"/>
+            </a:schemeClr>
+          </a:lnRef>
+          <a:fillRef idx="1">
+            <a:schemeClr val="accent1"/>
+          </a:fillRef>
+          <a:effectRef idx="0">
+            <a:schemeClr val="accent1"/>
+          </a:effectRef>
+          <a:fontRef idx="minor">
+            <a:schemeClr val="lt1"/>
+          </a:fontRef>
+        </p:style>
+        <p:txBody>
+          <a:bodyPr rtlCol="0" anchor="ctr"/>
+          <a:lstStyle/>
+          <a:p>
+            <a:r>
+              <a:rPr lang="pt-PT" sz="1600" dirty="0" smtClean="0">
+                <a:solidFill>
+                  <a:srgbClr val="0070C0"/>
+                </a:solidFill>
+              </a:rPr>
+              <a:t>Dashboard / Gráfico</a:t>
+            </a:r>
+          </a:p>
+          <a:p>
+            <a:pPr algn="ctr"/>
+            <a:endParaRPr lang="pt-PT" sz="1600" dirty="0">
+              <a:solidFill>
+                <a:srgbClr val="0070C0"/>
+              </a:solidFill>
+            </a:endParaRPr>
+          </a:p>
+          <a:p>
+            <a:r>
+              <a:rPr lang="pt-PT" sz="1600" dirty="0" smtClean="0">
+                <a:solidFill>
+                  <a:srgbClr val="0070C0"/>
+                </a:solidFill>
+              </a:rPr>
+              <a:t>- Indicadores</a:t>
+            </a:r>
+            <a:endParaRPr lang="pt-BR" sz="1600" dirty="0">
+              <a:solidFill>
+                <a:srgbClr val="0070C0"/>
+              </a:solidFill>
+            </a:endParaRPr>
+          </a:p>
+        </p:txBody>
+      </p:sp>
+      <p:sp>
+        <p:nvSpPr>
+          <p:cNvPr id="15" name="CaixaDeTexto 14"/>
+          <p:cNvSpPr txBox="1"/>
+          <p:nvPr/>
+        </p:nvSpPr>
+        <p:spPr>
+          <a:xfrm>
+            <a:off x="3387143" y="2240922"/>
+            <a:ext cx="2560894" cy="738664"/>
+          </a:xfrm>
+          <a:prstGeom prst="rect">
+            <a:avLst/>
+          </a:prstGeom>
+          <a:noFill/>
+        </p:spPr>
+        <p:txBody>
+          <a:bodyPr wrap="none" rtlCol="0">
+            <a:spAutoFit/>
+          </a:bodyPr>
+          <a:lstStyle/>
+          <a:p>
+            <a:r>
+              <a:rPr lang="pt-PT" sz="1400" dirty="0" smtClean="0"/>
+              <a:t>9099-00 Cesup Plataforma SP</a:t>
+            </a:r>
+          </a:p>
+          <a:p>
+            <a:r>
+              <a:rPr lang="pt-PT" sz="1400" dirty="0" smtClean="0"/>
+              <a:t>Rua Libero Badaró, 565 4ª Andar</a:t>
+            </a:r>
+          </a:p>
+          <a:p>
+            <a:r>
+              <a:rPr lang="pt-PT" sz="1400" dirty="0" smtClean="0"/>
+              <a:t>Tel: (11) 2242-3600</a:t>
+            </a:r>
+            <a:endParaRPr lang="pt-BR" sz="1400" dirty="0"/>
+          </a:p>
+        </p:txBody>
+      </p:sp>
+      <p:pic>
+        <p:nvPicPr>
+          <p:cNvPr id="16" name="Imagem 15"/>
+          <p:cNvPicPr>
+            <a:picLocks noChangeAspect="1"/>
+          </p:cNvPicPr>
+          <p:nvPr/>
+        </p:nvPicPr>
+        <p:blipFill>
+          <a:blip r:embed="rId3"/>
+          <a:stretch>
+            <a:fillRect/>
+          </a:stretch>
+        </p:blipFill>
+        <p:spPr>
+          <a:xfrm>
+            <a:off x="10751863" y="2228044"/>
+            <a:ext cx="285333" cy="262322"/>
+          </a:xfrm>
+          <a:prstGeom prst="rect">
+            <a:avLst/>
+          </a:prstGeom>
+        </p:spPr>
+      </p:pic>
+      <p:pic>
+        <p:nvPicPr>
+          <p:cNvPr id="17" name="Imagem 16"/>
+          <p:cNvPicPr>
+            <a:picLocks noChangeAspect="1"/>
+          </p:cNvPicPr>
+          <p:nvPr/>
+        </p:nvPicPr>
+        <p:blipFill>
+          <a:blip r:embed="rId4"/>
+          <a:stretch>
+            <a:fillRect/>
+          </a:stretch>
+        </p:blipFill>
+        <p:spPr>
+          <a:xfrm>
+            <a:off x="10792241" y="3480883"/>
+            <a:ext cx="204576" cy="204576"/>
+          </a:xfrm>
+          <a:prstGeom prst="rect">
+            <a:avLst/>
+          </a:prstGeom>
+        </p:spPr>
+      </p:pic>
+      <p:pic>
+        <p:nvPicPr>
+          <p:cNvPr id="18" name="Imagem 17"/>
+          <p:cNvPicPr>
+            <a:picLocks noChangeAspect="1"/>
+          </p:cNvPicPr>
+          <p:nvPr/>
+        </p:nvPicPr>
+        <p:blipFill>
+          <a:blip r:embed="rId5"/>
+          <a:stretch>
+            <a:fillRect/>
+          </a:stretch>
+        </p:blipFill>
+        <p:spPr>
+          <a:xfrm>
+            <a:off x="6742083" y="4949080"/>
+            <a:ext cx="264017" cy="219184"/>
+          </a:xfrm>
+          <a:prstGeom prst="rect">
+            <a:avLst/>
+          </a:prstGeom>
+        </p:spPr>
+      </p:pic>
+      <p:pic>
+        <p:nvPicPr>
+          <p:cNvPr id="19" name="Imagem 18"/>
+          <p:cNvPicPr>
+            <a:picLocks noChangeAspect="1"/>
+          </p:cNvPicPr>
+          <p:nvPr/>
+        </p:nvPicPr>
+        <p:blipFill>
+          <a:blip r:embed="rId6"/>
+          <a:stretch>
+            <a:fillRect/>
+          </a:stretch>
+        </p:blipFill>
+        <p:spPr>
+          <a:xfrm>
+            <a:off x="10777622" y="4937252"/>
+            <a:ext cx="273888" cy="256770"/>
+          </a:xfrm>
+          <a:prstGeom prst="rect">
+            <a:avLst/>
+          </a:prstGeom>
+        </p:spPr>
+      </p:pic>
+      <p:pic>
+        <p:nvPicPr>
+          <p:cNvPr id="20" name="Imagem 19"/>
+          <p:cNvPicPr>
+            <a:picLocks noChangeAspect="1"/>
+          </p:cNvPicPr>
+          <p:nvPr/>
+        </p:nvPicPr>
+        <p:blipFill>
+          <a:blip r:embed="rId7"/>
+          <a:stretch>
+            <a:fillRect/>
+          </a:stretch>
+        </p:blipFill>
+        <p:spPr>
+          <a:xfrm>
+            <a:off x="6742083" y="3436935"/>
+            <a:ext cx="264017" cy="218942"/>
+          </a:xfrm>
+          <a:prstGeom prst="rect">
+            <a:avLst/>
+          </a:prstGeom>
+        </p:spPr>
+      </p:pic>
     </p:spTree>
     <p:extLst>
       <p:ext uri="{BB962C8B-B14F-4D97-AF65-F5344CB8AC3E}">
-        <p14:creationId xmlns:p14="http://schemas.microsoft.com/office/powerpoint/2010/main" val="1090836055"/>
+        <p14:creationId xmlns:p14="http://schemas.microsoft.com/office/powerpoint/2010/main" val="3069271962"/>
       </p:ext>
     </p:extLst>
   </p:cSld>
@@ -4293,7 +6121,7 @@
                 <a:latin typeface="Arial" panose="020B0604020202020204" pitchFamily="34" charset="0"/>
                 <a:cs typeface="Arial" panose="020B0604020202020204" pitchFamily="34" charset="0"/>
               </a:rPr>
-              <a:t>Objetivo</a:t>
+              <a:t>Visão Rede</a:t>
             </a:r>
             <a:endParaRPr lang="pt-BR" sz="2800" b="1" dirty="0">
               <a:solidFill>
@@ -4313,8 +6141,8 @@
         </p:nvSpPr>
         <p:spPr>
           <a:xfrm>
-            <a:off x="862885" y="2562896"/>
-            <a:ext cx="7055906" cy="1754326"/>
+            <a:off x="628828" y="1120460"/>
+            <a:ext cx="11612859" cy="4524315"/>
           </a:xfrm>
           <a:prstGeom prst="rect">
             <a:avLst/>
@@ -4328,62 +6156,146 @@
           <a:lstStyle/>
           <a:p>
             <a:r>
-              <a:rPr lang="pt-BR" dirty="0" smtClean="0"/>
-              <a:t>Agir </a:t>
-            </a:r>
-            <a:r>
-              <a:rPr lang="pt-BR" dirty="0"/>
-              <a:t>com </a:t>
-            </a:r>
-            <a:r>
-              <a:rPr lang="pt-BR" dirty="0" smtClean="0"/>
-              <a:t>o Feedback do cliente</a:t>
-            </a:r>
-            <a:endParaRPr lang="pt-BR" dirty="0"/>
-          </a:p>
-          <a:p>
-            <a:r>
-              <a:rPr lang="pt-BR" dirty="0" smtClean="0"/>
-              <a:t>- Cliente deve saber que seu feedback é importante</a:t>
-            </a:r>
-          </a:p>
-          <a:p>
-            <a:r>
-              <a:rPr lang="pt-BR" dirty="0" smtClean="0"/>
-              <a:t>- Ações </a:t>
-            </a:r>
-            <a:r>
-              <a:rPr lang="pt-BR" dirty="0"/>
-              <a:t>devem ser tomadas com base </a:t>
-            </a:r>
-            <a:r>
-              <a:rPr lang="pt-BR" dirty="0" smtClean="0"/>
-              <a:t>nas avaliações e </a:t>
-            </a:r>
-            <a:r>
-              <a:rPr lang="pt-BR" dirty="0"/>
-              <a:t>feedbacks</a:t>
-            </a:r>
-          </a:p>
-          <a:p>
-            <a:endParaRPr lang="pt-BR" dirty="0" smtClean="0"/>
-          </a:p>
-          <a:p>
-            <a:endParaRPr lang="pt-BR" dirty="0" smtClean="0"/>
-          </a:p>
-          <a:p>
-            <a:r>
-              <a:rPr lang="pt-BR" dirty="0" smtClean="0"/>
-              <a:t>Precisamos conhecer melhor nosso cliente para um melhor atendimento.</a:t>
-            </a:r>
-            <a:endParaRPr lang="pt-BR" dirty="0"/>
+              <a:rPr lang="pt-PT" sz="2400" dirty="0" smtClean="0"/>
+              <a:t>Para a Rede:</a:t>
+            </a:r>
+          </a:p>
+          <a:p>
+            <a:endParaRPr lang="pt-BR" sz="2400" dirty="0" smtClean="0"/>
+          </a:p>
+          <a:p>
+            <a:pPr marL="342900" indent="-342900">
+              <a:buFont typeface="Arial" panose="020B0604020202020204" pitchFamily="34" charset="0"/>
+              <a:buChar char="•"/>
+            </a:pPr>
+            <a:r>
+              <a:rPr lang="pt-BR" sz="2400" dirty="0" smtClean="0"/>
+              <a:t>Demandas - </a:t>
+            </a:r>
+            <a:r>
+              <a:rPr lang="pt-BR" sz="2400" dirty="0"/>
+              <a:t>(</a:t>
+            </a:r>
+            <a:r>
+              <a:rPr lang="pt-BR" sz="2400" dirty="0" err="1"/>
+              <a:t>Dashboard</a:t>
+            </a:r>
+            <a:r>
+              <a:rPr lang="pt-BR" sz="2400" dirty="0"/>
+              <a:t>, Gráficos) </a:t>
+            </a:r>
+            <a:r>
+              <a:rPr lang="pt-BR" sz="2400" dirty="0" smtClean="0"/>
+              <a:t>com informações que possa indicar ações preventivas </a:t>
+            </a:r>
+          </a:p>
+          <a:p>
+            <a:r>
+              <a:rPr lang="pt-PT" sz="2400" dirty="0"/>
+              <a:t>p</a:t>
+            </a:r>
+            <a:r>
+              <a:rPr lang="pt-PT" sz="2400" dirty="0" smtClean="0"/>
+              <a:t>ara realizar naquela dependência. </a:t>
+            </a:r>
+          </a:p>
+          <a:p>
+            <a:endParaRPr lang="pt-BR" sz="2400" dirty="0"/>
+          </a:p>
+          <a:p>
+            <a:pPr marL="342900" indent="-342900">
+              <a:buFont typeface="Arial" panose="020B0604020202020204" pitchFamily="34" charset="0"/>
+              <a:buChar char="•"/>
+            </a:pPr>
+            <a:r>
+              <a:rPr lang="pt-BR" sz="2400" dirty="0"/>
+              <a:t>Visitas - Além das informações das visitas, poderia ter a informação de qual Reserva </a:t>
+            </a:r>
+            <a:endParaRPr lang="pt-BR" sz="2400" dirty="0" smtClean="0"/>
+          </a:p>
+          <a:p>
+            <a:r>
+              <a:rPr lang="pt-BR" sz="2400" dirty="0" smtClean="0"/>
+              <a:t>de </a:t>
+            </a:r>
+            <a:r>
+              <a:rPr lang="pt-BR" sz="2400" dirty="0"/>
+              <a:t> </a:t>
+            </a:r>
+            <a:r>
+              <a:rPr lang="pt-BR" sz="2400" dirty="0" smtClean="0"/>
+              <a:t>veículo </a:t>
+            </a:r>
+            <a:r>
+              <a:rPr lang="pt-BR" sz="2400" dirty="0"/>
+              <a:t>foi utilizado naquela visita.</a:t>
+            </a:r>
+          </a:p>
+          <a:p>
+            <a:endParaRPr lang="pt-BR" sz="2400" dirty="0" smtClean="0"/>
+          </a:p>
+          <a:p>
+            <a:pPr marL="342900" indent="-342900">
+              <a:buFont typeface="Arial" panose="020B0604020202020204" pitchFamily="34" charset="0"/>
+              <a:buChar char="•"/>
+            </a:pPr>
+            <a:r>
+              <a:rPr lang="pt-BR" sz="2400" dirty="0" smtClean="0"/>
+              <a:t>Relacionamento </a:t>
+            </a:r>
+            <a:r>
+              <a:rPr lang="pt-BR" sz="2400" dirty="0"/>
+              <a:t>- Além da avaliação, teria os registros de contatos já realizados e </a:t>
+            </a:r>
+            <a:endParaRPr lang="pt-BR" sz="2400" dirty="0" smtClean="0"/>
+          </a:p>
+          <a:p>
+            <a:r>
+              <a:rPr lang="pt-BR" sz="2400" dirty="0"/>
+              <a:t>p</a:t>
+            </a:r>
+            <a:r>
+              <a:rPr lang="pt-BR" sz="2400" dirty="0" smtClean="0"/>
+              <a:t>oderia ter </a:t>
+            </a:r>
+            <a:r>
+              <a:rPr lang="pt-BR" sz="2400" dirty="0"/>
+              <a:t>uma sinalização </a:t>
+            </a:r>
+            <a:r>
+              <a:rPr lang="pt-BR" sz="2400" dirty="0" smtClean="0"/>
+              <a:t>no </a:t>
+            </a:r>
+            <a:r>
+              <a:rPr lang="pt-BR" sz="2400" dirty="0"/>
+              <a:t>cliente (detrator, neutro e promotor</a:t>
+            </a:r>
+            <a:r>
+              <a:rPr lang="pt-BR" sz="2400" dirty="0" smtClean="0"/>
+              <a:t>).</a:t>
+            </a:r>
+            <a:endParaRPr lang="pt-BR" sz="2400" dirty="0"/>
+          </a:p>
+          <a:p>
+            <a:endParaRPr lang="pt-PT" sz="2400" dirty="0" smtClean="0"/>
+          </a:p>
+          <a:p>
+            <a:pPr marL="342900" indent="-342900">
+              <a:buFont typeface="Arial" panose="020B0604020202020204" pitchFamily="34" charset="0"/>
+              <a:buChar char="•"/>
+            </a:pPr>
+            <a:r>
+              <a:rPr lang="pt-PT" sz="2400" dirty="0" smtClean="0"/>
+              <a:t>Arquivos – ter regra de visualização para qualquer arquivo quando o usuário for da Rede.</a:t>
+            </a:r>
+            <a:endParaRPr lang="pt-BR" sz="2400" dirty="0"/>
           </a:p>
         </p:txBody>
       </p:sp>
     </p:spTree>
     <p:extLst>
       <p:ext uri="{BB962C8B-B14F-4D97-AF65-F5344CB8AC3E}">
-        <p14:creationId xmlns:p14="http://schemas.microsoft.com/office/powerpoint/2010/main" val="478736281"/>
+        <p14:creationId xmlns:p14="http://schemas.microsoft.com/office/powerpoint/2010/main" val="1090836055"/>
       </p:ext>
     </p:extLst>
   </p:cSld>

--- a/Apresentação Cesup Rede/Projeto 2.pptx
+++ b/Apresentação Cesup Rede/Projeto 2.pptx
@@ -13,6 +13,7 @@
     <p:sldId id="265" r:id="rId7"/>
     <p:sldId id="267" r:id="rId8"/>
     <p:sldId id="264" r:id="rId9"/>
+    <p:sldId id="268" r:id="rId10"/>
   </p:sldIdLst>
   <p:sldSz cx="12192000" cy="6858000"/>
   <p:notesSz cx="6858000" cy="9144000"/>
@@ -250,7 +251,7 @@
           <a:p>
             <a:fld id="{451DA068-CB82-4A13-8DD8-5B6FC800C9FB}" type="datetimeFigureOut">
               <a:rPr lang="pt-BR" smtClean="0"/>
-              <a:t>14/11/2020</a:t>
+              <a:t>15/11/2020</a:t>
             </a:fld>
             <a:endParaRPr lang="pt-BR"/>
           </a:p>
@@ -420,7 +421,7 @@
           <a:p>
             <a:fld id="{451DA068-CB82-4A13-8DD8-5B6FC800C9FB}" type="datetimeFigureOut">
               <a:rPr lang="pt-BR" smtClean="0"/>
-              <a:t>14/11/2020</a:t>
+              <a:t>15/11/2020</a:t>
             </a:fld>
             <a:endParaRPr lang="pt-BR"/>
           </a:p>
@@ -600,7 +601,7 @@
           <a:p>
             <a:fld id="{451DA068-CB82-4A13-8DD8-5B6FC800C9FB}" type="datetimeFigureOut">
               <a:rPr lang="pt-BR" smtClean="0"/>
-              <a:t>14/11/2020</a:t>
+              <a:t>15/11/2020</a:t>
             </a:fld>
             <a:endParaRPr lang="pt-BR"/>
           </a:p>
@@ -897,7 +898,7 @@
           <a:p>
             <a:fld id="{451DA068-CB82-4A13-8DD8-5B6FC800C9FB}" type="datetimeFigureOut">
               <a:rPr lang="pt-BR" smtClean="0"/>
-              <a:t>14/11/2020</a:t>
+              <a:t>15/11/2020</a:t>
             </a:fld>
             <a:endParaRPr lang="pt-BR"/>
           </a:p>
@@ -1143,7 +1144,7 @@
           <a:p>
             <a:fld id="{451DA068-CB82-4A13-8DD8-5B6FC800C9FB}" type="datetimeFigureOut">
               <a:rPr lang="pt-BR" smtClean="0"/>
-              <a:t>14/11/2020</a:t>
+              <a:t>15/11/2020</a:t>
             </a:fld>
             <a:endParaRPr lang="pt-BR"/>
           </a:p>
@@ -1375,7 +1376,7 @@
           <a:p>
             <a:fld id="{451DA068-CB82-4A13-8DD8-5B6FC800C9FB}" type="datetimeFigureOut">
               <a:rPr lang="pt-BR" smtClean="0"/>
-              <a:t>14/11/2020</a:t>
+              <a:t>15/11/2020</a:t>
             </a:fld>
             <a:endParaRPr lang="pt-BR"/>
           </a:p>
@@ -1742,7 +1743,7 @@
           <a:p>
             <a:fld id="{451DA068-CB82-4A13-8DD8-5B6FC800C9FB}" type="datetimeFigureOut">
               <a:rPr lang="pt-BR" smtClean="0"/>
-              <a:t>14/11/2020</a:t>
+              <a:t>15/11/2020</a:t>
             </a:fld>
             <a:endParaRPr lang="pt-BR"/>
           </a:p>
@@ -1860,7 +1861,7 @@
           <a:p>
             <a:fld id="{451DA068-CB82-4A13-8DD8-5B6FC800C9FB}" type="datetimeFigureOut">
               <a:rPr lang="pt-BR" smtClean="0"/>
-              <a:t>14/11/2020</a:t>
+              <a:t>15/11/2020</a:t>
             </a:fld>
             <a:endParaRPr lang="pt-BR"/>
           </a:p>
@@ -1955,7 +1956,7 @@
           <a:p>
             <a:fld id="{451DA068-CB82-4A13-8DD8-5B6FC800C9FB}" type="datetimeFigureOut">
               <a:rPr lang="pt-BR" smtClean="0"/>
-              <a:t>14/11/2020</a:t>
+              <a:t>15/11/2020</a:t>
             </a:fld>
             <a:endParaRPr lang="pt-BR"/>
           </a:p>
@@ -2232,7 +2233,7 @@
           <a:p>
             <a:fld id="{451DA068-CB82-4A13-8DD8-5B6FC800C9FB}" type="datetimeFigureOut">
               <a:rPr lang="pt-BR" smtClean="0"/>
-              <a:t>14/11/2020</a:t>
+              <a:t>15/11/2020</a:t>
             </a:fld>
             <a:endParaRPr lang="pt-BR"/>
           </a:p>
@@ -2485,7 +2486,7 @@
           <a:p>
             <a:fld id="{451DA068-CB82-4A13-8DD8-5B6FC800C9FB}" type="datetimeFigureOut">
               <a:rPr lang="pt-BR" smtClean="0"/>
-              <a:t>14/11/2020</a:t>
+              <a:t>15/11/2020</a:t>
             </a:fld>
             <a:endParaRPr lang="pt-BR"/>
           </a:p>
@@ -2698,7 +2699,7 @@
           <a:p>
             <a:fld id="{451DA068-CB82-4A13-8DD8-5B6FC800C9FB}" type="datetimeFigureOut">
               <a:rPr lang="pt-BR" smtClean="0"/>
-              <a:t>14/11/2020</a:t>
+              <a:t>15/11/2020</a:t>
             </a:fld>
             <a:endParaRPr lang="pt-BR"/>
           </a:p>
@@ -3154,17 +3155,7 @@
                 <a:latin typeface="Arial" panose="020B0604020202020204" pitchFamily="34" charset="0"/>
                 <a:cs typeface="Arial" panose="020B0604020202020204" pitchFamily="34" charset="0"/>
               </a:rPr>
-              <a:t>Extrato </a:t>
-            </a:r>
-            <a:r>
-              <a:rPr lang="pt-BR" sz="4800" b="1" dirty="0" smtClean="0">
-                <a:solidFill>
-                  <a:srgbClr val="FEE605"/>
-                </a:solidFill>
-                <a:latin typeface="Arial" panose="020B0604020202020204" pitchFamily="34" charset="0"/>
-                <a:cs typeface="Arial" panose="020B0604020202020204" pitchFamily="34" charset="0"/>
-              </a:rPr>
-              <a:t>da Dependência</a:t>
+              <a:t>Extrato da Dependência</a:t>
             </a:r>
             <a:endParaRPr lang="pt-BR" sz="4800" b="1" dirty="0">
               <a:solidFill>
@@ -3276,8 +3267,8 @@
         </p:nvSpPr>
         <p:spPr>
           <a:xfrm>
-            <a:off x="592428" y="1076325"/>
-            <a:ext cx="9247031" cy="5632311"/>
+            <a:off x="850005" y="1230871"/>
+            <a:ext cx="9247031" cy="5355312"/>
           </a:xfrm>
           <a:prstGeom prst="rect">
             <a:avLst/>
@@ -3292,65 +3283,11 @@
           <a:p>
             <a:r>
               <a:rPr lang="pt-BR" dirty="0" smtClean="0"/>
-              <a:t>histórico </a:t>
+              <a:t>Quanto </a:t>
             </a:r>
             <a:r>
               <a:rPr lang="pt-BR" dirty="0"/>
-              <a:t>de avaliações e contatos</a:t>
-            </a:r>
-          </a:p>
-          <a:p>
-            <a:r>
-              <a:rPr lang="pt-BR" dirty="0"/>
-              <a:t>visualizar os arquivos que aquela </a:t>
-            </a:r>
-            <a:r>
-              <a:rPr lang="pt-BR" dirty="0" err="1"/>
-              <a:t>dependencia</a:t>
-            </a:r>
-            <a:r>
-              <a:rPr lang="pt-BR" dirty="0"/>
-              <a:t> gerou</a:t>
-            </a:r>
-          </a:p>
-          <a:p>
-            <a:r>
-              <a:rPr lang="pt-BR" dirty="0"/>
-              <a:t>quais visitas já foram realizadas na </a:t>
-            </a:r>
-            <a:r>
-              <a:rPr lang="pt-BR" dirty="0" err="1"/>
-              <a:t>dependencia</a:t>
-            </a:r>
-            <a:r>
-              <a:rPr lang="pt-BR" dirty="0"/>
-              <a:t> </a:t>
-            </a:r>
-            <a:endParaRPr lang="pt-BR" dirty="0" smtClean="0"/>
-          </a:p>
-          <a:p>
-            <a:endParaRPr lang="pt-PT" dirty="0"/>
-          </a:p>
-          <a:p>
-            <a:r>
-              <a:rPr lang="pt-BR" b="1" dirty="0"/>
-              <a:t>Processos de fluxo de trabalho ineficientes</a:t>
-            </a:r>
-            <a:r>
-              <a:rPr lang="pt-BR" dirty="0"/>
-              <a:t>: os membros da sua equipe não conseguem encontrar a informação que precisam para fazer seu trabalho.</a:t>
-            </a:r>
-          </a:p>
-          <a:p>
-            <a:endParaRPr lang="pt-BR" dirty="0" smtClean="0"/>
-          </a:p>
-          <a:p>
-            <a:endParaRPr lang="pt-BR" dirty="0" smtClean="0"/>
-          </a:p>
-          <a:p>
-            <a:r>
-              <a:rPr lang="pt-BR" dirty="0"/>
-              <a:t>Quanto mais uma companhia conhece o seu consumidor, maiores são as chances de compreender e atender às suas reais necessidades</a:t>
+              <a:t>mais uma companhia conhece o seu consumidor, maiores são as chances de compreender e atender às suas reais necessidades</a:t>
             </a:r>
             <a:r>
               <a:rPr lang="pt-BR" dirty="0" smtClean="0"/>
@@ -3358,33 +3295,42 @@
             </a:r>
           </a:p>
           <a:p>
-            <a:endParaRPr lang="pt-PT" dirty="0"/>
+            <a:r>
+              <a:rPr lang="pt-BR" b="1" dirty="0"/>
+              <a:t>Dados em sua forma bruta podem não fazer muito sentido quando isolados. É por isso que organizar dados de forma estratégica se torna essencial. </a:t>
+            </a:r>
+            <a:endParaRPr lang="pt-BR" dirty="0" smtClean="0"/>
+          </a:p>
+          <a:p>
+            <a:endParaRPr lang="pt-PT" dirty="0" smtClean="0"/>
           </a:p>
           <a:p>
             <a:r>
               <a:rPr lang="pt-BR" dirty="0"/>
-              <a:t>T</a:t>
+              <a:t>Conhecer os seus clientes é a melhor forma de aproximá-los da marca. Afinal, é este conhecimento que garante a você saber exatamente o que falar para conquistar o seu público-alvo. Ele também é importante para que você saiba de que maneira os seus clientes preferem ser abordados</a:t>
             </a:r>
             <a:r>
               <a:rPr lang="pt-BR" dirty="0" smtClean="0"/>
-              <a:t>er </a:t>
-            </a:r>
+              <a:t>.</a:t>
+            </a:r>
+          </a:p>
+          <a:p>
+            <a:endParaRPr lang="pt-BR" dirty="0"/>
+          </a:p>
+          <a:p>
             <a:r>
               <a:rPr lang="pt-BR" dirty="0"/>
-              <a:t>disponível em mãos diversas informações do cliente pode agilizar a prática </a:t>
+              <a:t>Ter a informação correta no momento em que ela se faz necessária pode ajudar o negócio a atingir todos os resultados </a:t>
             </a:r>
             <a:r>
               <a:rPr lang="pt-BR" dirty="0" smtClean="0"/>
-              <a:t>do atendimento </a:t>
+              <a:t>esperados. Elas </a:t>
             </a:r>
             <a:r>
               <a:rPr lang="pt-BR" dirty="0"/>
-              <a:t>e auxiliá-los com informações qualitativas na tomada de </a:t>
-            </a:r>
-            <a:r>
-              <a:rPr lang="pt-BR" dirty="0" smtClean="0"/>
-              <a:t>decisões.</a:t>
-            </a:r>
+              <a:t>auxiliam equipes e gestores nas tomadas de decisão, possibilitam calcular riscos, otimizar processos e melhorar resultados. </a:t>
+            </a:r>
+            <a:endParaRPr lang="pt-BR" dirty="0" smtClean="0"/>
           </a:p>
           <a:p>
             <a:endParaRPr lang="pt-PT" dirty="0"/>
@@ -3435,9 +3381,8 @@
           <a:p>
             <a:r>
               <a:rPr lang="pt-BR" dirty="0"/>
-              <a:t>Ao ter posse de informações relevantes sobre o seu consumidor, é possível segmentar e agrupar os clientes em diferentes categorias, direcionando estrategicamente seus produtos ou serviços. </a:t>
-            </a:r>
-            <a:endParaRPr lang="pt-BR" dirty="0"/>
+              <a:t> </a:t>
+            </a:r>
           </a:p>
         </p:txBody>
       </p:sp>
@@ -6309,6 +6254,138 @@
       </p:par>
     </p:tnLst>
   </p:timing>
+</p:sld>
+</file>
+
+<file path=ppt/slides/slide9.xml><?xml version="1.0" encoding="utf-8"?>
+<p:sld xmlns:a="http://schemas.openxmlformats.org/drawingml/2006/main" xmlns:r="http://schemas.openxmlformats.org/officeDocument/2006/relationships" xmlns:p="http://schemas.openxmlformats.org/presentationml/2006/main">
+  <p:cSld>
+    <p:spTree>
+      <p:nvGrpSpPr>
+        <p:cNvPr id="1" name=""/>
+        <p:cNvGrpSpPr/>
+        <p:nvPr/>
+      </p:nvGrpSpPr>
+      <p:grpSpPr>
+        <a:xfrm>
+          <a:off x="0" y="0"/>
+          <a:ext cx="0" cy="0"/>
+          <a:chOff x="0" y="0"/>
+          <a:chExt cx="0" cy="0"/>
+        </a:xfrm>
+      </p:grpSpPr>
+      <p:sp>
+        <p:nvSpPr>
+          <p:cNvPr id="4" name="Retângulo 3"/>
+          <p:cNvSpPr/>
+          <p:nvPr/>
+        </p:nvSpPr>
+        <p:spPr>
+          <a:xfrm>
+            <a:off x="2333636" y="269314"/>
+            <a:ext cx="1523174" cy="523220"/>
+          </a:xfrm>
+          <a:prstGeom prst="rect">
+            <a:avLst/>
+          </a:prstGeom>
+        </p:spPr>
+        <p:txBody>
+          <a:bodyPr wrap="none">
+            <a:spAutoFit/>
+          </a:bodyPr>
+          <a:lstStyle/>
+          <a:p>
+            <a:pPr algn="ctr"/>
+            <a:r>
+              <a:rPr lang="pt-BR" sz="2800" b="1" dirty="0" smtClean="0">
+                <a:solidFill>
+                  <a:srgbClr val="015CA2"/>
+                </a:solidFill>
+                <a:latin typeface="Arial" panose="020B0604020202020204" pitchFamily="34" charset="0"/>
+                <a:cs typeface="Arial" panose="020B0604020202020204" pitchFamily="34" charset="0"/>
+              </a:rPr>
+              <a:t>Ganhos</a:t>
+            </a:r>
+          </a:p>
+        </p:txBody>
+      </p:sp>
+      <p:sp>
+        <p:nvSpPr>
+          <p:cNvPr id="5" name="CaixaDeTexto 4"/>
+          <p:cNvSpPr txBox="1"/>
+          <p:nvPr/>
+        </p:nvSpPr>
+        <p:spPr>
+          <a:xfrm>
+            <a:off x="666341" y="1925485"/>
+            <a:ext cx="10718447" cy="1754326"/>
+          </a:xfrm>
+          <a:prstGeom prst="rect">
+            <a:avLst/>
+          </a:prstGeom>
+          <a:noFill/>
+        </p:spPr>
+        <p:txBody>
+          <a:bodyPr wrap="none" rtlCol="0">
+            <a:spAutoFit/>
+          </a:bodyPr>
+          <a:lstStyle/>
+          <a:p>
+            <a:r>
+              <a:rPr lang="pt-BR" dirty="0"/>
+              <a:t>Ter disponível em mãos diversas informações do cliente pode agilizar a prática do atendimento e auxiliá-los com </a:t>
+            </a:r>
+            <a:endParaRPr lang="pt-BR" dirty="0" smtClean="0"/>
+          </a:p>
+          <a:p>
+            <a:r>
+              <a:rPr lang="pt-BR" dirty="0" smtClean="0"/>
+              <a:t>informações </a:t>
+            </a:r>
+            <a:r>
+              <a:rPr lang="pt-BR" dirty="0"/>
+              <a:t>qualitativas na tomada de decisões</a:t>
+            </a:r>
+            <a:r>
+              <a:rPr lang="pt-BR" dirty="0" smtClean="0"/>
+              <a:t>.</a:t>
+            </a:r>
+          </a:p>
+          <a:p>
+            <a:endParaRPr lang="pt-BR" dirty="0"/>
+          </a:p>
+          <a:p>
+            <a:r>
+              <a:rPr lang="pt-BR" dirty="0"/>
+              <a:t>Ao ter posse de informações relevantes sobre o seu consumidor, é possível segmentar e agrupar os clientes em </a:t>
+            </a:r>
+            <a:endParaRPr lang="pt-BR" dirty="0" smtClean="0"/>
+          </a:p>
+          <a:p>
+            <a:r>
+              <a:rPr lang="pt-BR" dirty="0" smtClean="0"/>
+              <a:t>diferentes </a:t>
+            </a:r>
+            <a:r>
+              <a:rPr lang="pt-BR" dirty="0"/>
+              <a:t>categorias, direcionando estrategicamente seus produtos ou serviços.</a:t>
+            </a:r>
+          </a:p>
+          <a:p>
+            <a:endParaRPr lang="pt-BR" dirty="0"/>
+          </a:p>
+        </p:txBody>
+      </p:sp>
+    </p:spTree>
+    <p:extLst>
+      <p:ext uri="{BB962C8B-B14F-4D97-AF65-F5344CB8AC3E}">
+        <p14:creationId xmlns:p14="http://schemas.microsoft.com/office/powerpoint/2010/main" val="2902002614"/>
+      </p:ext>
+    </p:extLst>
+  </p:cSld>
+  <p:clrMapOvr>
+    <a:masterClrMapping/>
+  </p:clrMapOvr>
 </p:sld>
 </file>
 

--- a/Apresentação Cesup Rede/Projeto 2.pptx
+++ b/Apresentação Cesup Rede/Projeto 2.pptx
@@ -3267,8 +3267,8 @@
         </p:nvSpPr>
         <p:spPr>
           <a:xfrm>
-            <a:off x="850005" y="1230871"/>
-            <a:ext cx="9247031" cy="5355312"/>
+            <a:off x="1068947" y="1514205"/>
+            <a:ext cx="6606861" cy="4801314"/>
           </a:xfrm>
           <a:prstGeom prst="rect">
             <a:avLst/>
@@ -3281,46 +3281,45 @@
           </a:bodyPr>
           <a:lstStyle/>
           <a:p>
+            <a:endParaRPr lang="pt-BR" dirty="0" smtClean="0"/>
+          </a:p>
+          <a:p>
             <a:r>
               <a:rPr lang="pt-BR" dirty="0" smtClean="0"/>
-              <a:t>Quanto </a:t>
+              <a:t>Dados </a:t>
             </a:r>
             <a:r>
               <a:rPr lang="pt-BR" dirty="0"/>
-              <a:t>mais uma companhia conhece o seu consumidor, maiores são as chances de compreender e atender às suas reais necessidades</a:t>
+              <a:t>em sua forma bruta podem não fazer muito sentido quando isolados. É por isso que organizar dados de forma estratégica se torna essencial. </a:t>
+            </a:r>
+            <a:endParaRPr lang="pt-BR" dirty="0" smtClean="0"/>
+          </a:p>
+          <a:p>
+            <a:endParaRPr lang="pt-PT" dirty="0" smtClean="0"/>
+          </a:p>
+          <a:p>
+            <a:endParaRPr lang="pt-BR" dirty="0"/>
+          </a:p>
+          <a:p>
+            <a:r>
+              <a:rPr lang="pt-BR" dirty="0"/>
+              <a:t>Ter a informação correta no momento em que ela se faz necessária pode ajudar o </a:t>
             </a:r>
             <a:r>
               <a:rPr lang="pt-BR" dirty="0" smtClean="0"/>
-              <a:t>.</a:t>
-            </a:r>
-          </a:p>
-          <a:p>
-            <a:r>
-              <a:rPr lang="pt-BR" b="1" dirty="0"/>
-              <a:t>Dados em sua forma bruta podem não fazer muito sentido quando isolados. É por isso que organizar dados de forma estratégica se torna essencial. </a:t>
-            </a:r>
-            <a:endParaRPr lang="pt-BR" dirty="0" smtClean="0"/>
-          </a:p>
-          <a:p>
-            <a:endParaRPr lang="pt-PT" dirty="0" smtClean="0"/>
-          </a:p>
-          <a:p>
+              <a:t>atendimento </a:t>
+            </a:r>
             <a:r>
               <a:rPr lang="pt-BR" dirty="0"/>
-              <a:t>Conhecer os seus clientes é a melhor forma de aproximá-los da marca. Afinal, é este conhecimento que garante a você saber exatamente o que falar para conquistar o seu público-alvo. Ele também é importante para que você saiba de que maneira os seus clientes preferem ser abordados</a:t>
+              <a:t>a atingir </a:t>
             </a:r>
             <a:r>
               <a:rPr lang="pt-BR" dirty="0" smtClean="0"/>
-              <a:t>.</a:t>
-            </a:r>
-          </a:p>
-          <a:p>
-            <a:endParaRPr lang="pt-BR" dirty="0"/>
-          </a:p>
-          <a:p>
+              <a:t>os </a:t>
+            </a:r>
             <a:r>
               <a:rPr lang="pt-BR" dirty="0"/>
-              <a:t>Ter a informação correta no momento em que ela se faz necessária pode ajudar o negócio a atingir todos os resultados </a:t>
+              <a:t>resultados </a:t>
             </a:r>
             <a:r>
               <a:rPr lang="pt-BR" dirty="0" smtClean="0"/>
@@ -3336,9 +3335,16 @@
             <a:endParaRPr lang="pt-PT" dirty="0"/>
           </a:p>
           <a:p>
+            <a:endParaRPr lang="pt-BR" dirty="0" smtClean="0"/>
+          </a:p>
+          <a:p>
+            <a:r>
+              <a:rPr lang="pt-BR" dirty="0" smtClean="0"/>
+              <a:t>A </a:t>
+            </a:r>
             <a:r>
               <a:rPr lang="pt-BR" dirty="0"/>
-              <a:t>A capacidade de monitorar como o </a:t>
+              <a:t>capacidade de monitorar como o </a:t>
             </a:r>
             <a:r>
               <a:rPr lang="pt-BR" dirty="0" smtClean="0"/>
@@ -3362,18 +3368,13 @@
             </a:r>
             <a:r>
               <a:rPr lang="pt-BR" dirty="0"/>
-              <a:t>Além disso, é um ponto de partida para estreitar o </a:t>
-            </a:r>
-            <a:r>
-              <a:rPr lang="pt-BR" u="sng" dirty="0">
-                <a:hlinkClick r:id="rId2"/>
-              </a:rPr>
-              <a:t>relacionamento com o cliente</a:t>
+              <a:t>Além disso, é um ponto de partida para estreitar </a:t>
             </a:r>
             <a:r>
               <a:rPr lang="pt-BR" dirty="0" smtClean="0"/>
-              <a:t>.</a:t>
-            </a:r>
+              <a:t>o relacionamento com o cliente.</a:t>
+            </a:r>
+            <a:endParaRPr lang="pt-BR" dirty="0" smtClean="0"/>
           </a:p>
           <a:p>
             <a:endParaRPr lang="pt-PT" dirty="0"/>
@@ -3386,6 +3387,30 @@
           </a:p>
         </p:txBody>
       </p:sp>
+      <p:pic>
+        <p:nvPicPr>
+          <p:cNvPr id="4" name="Imagem 3"/>
+          <p:cNvPicPr>
+            <a:picLocks noChangeAspect="1"/>
+          </p:cNvPicPr>
+          <p:nvPr/>
+        </p:nvPicPr>
+        <p:blipFill>
+          <a:blip r:embed="rId2"/>
+          <a:stretch>
+            <a:fillRect/>
+          </a:stretch>
+        </p:blipFill>
+        <p:spPr>
+          <a:xfrm>
+            <a:off x="8541777" y="2297284"/>
+            <a:ext cx="2456781" cy="2482642"/>
+          </a:xfrm>
+          <a:prstGeom prst="rect">
+            <a:avLst/>
+          </a:prstGeom>
+        </p:spPr>
+      </p:pic>
     </p:spTree>
     <p:extLst>
       <p:ext uri="{BB962C8B-B14F-4D97-AF65-F5344CB8AC3E}">
@@ -3519,8 +3544,8 @@
         </p:nvSpPr>
         <p:spPr>
           <a:xfrm>
-            <a:off x="1192432" y="2008691"/>
-            <a:ext cx="10205371" cy="3416320"/>
+            <a:off x="913959" y="1854144"/>
+            <a:ext cx="7405791" cy="4154984"/>
           </a:xfrm>
           <a:prstGeom prst="rect">
             <a:avLst/>
@@ -3613,6 +3638,30 @@
           </a:p>
         </p:txBody>
       </p:sp>
+      <p:pic>
+        <p:nvPicPr>
+          <p:cNvPr id="5" name="Imagem 4"/>
+          <p:cNvPicPr>
+            <a:picLocks noChangeAspect="1"/>
+          </p:cNvPicPr>
+          <p:nvPr/>
+        </p:nvPicPr>
+        <p:blipFill>
+          <a:blip r:embed="rId2"/>
+          <a:stretch>
+            <a:fillRect/>
+          </a:stretch>
+        </p:blipFill>
+        <p:spPr>
+          <a:xfrm>
+            <a:off x="9179349" y="2459865"/>
+            <a:ext cx="2115422" cy="2199558"/>
+          </a:xfrm>
+          <a:prstGeom prst="rect">
+            <a:avLst/>
+          </a:prstGeom>
+        </p:spPr>
+      </p:pic>
     </p:spTree>
     <p:extLst>
       <p:ext uri="{BB962C8B-B14F-4D97-AF65-F5344CB8AC3E}">
@@ -3713,7 +3762,7 @@
         </p:nvSpPr>
         <p:spPr>
           <a:xfrm>
-            <a:off x="914400" y="2202286"/>
+            <a:off x="914400" y="1815917"/>
             <a:ext cx="10556993" cy="2308324"/>
           </a:xfrm>
           <a:prstGeom prst="rect">
@@ -3767,6 +3816,30 @@
           </a:p>
         </p:txBody>
       </p:sp>
+      <p:pic>
+        <p:nvPicPr>
+          <p:cNvPr id="4" name="Imagem 3"/>
+          <p:cNvPicPr>
+            <a:picLocks noChangeAspect="1"/>
+          </p:cNvPicPr>
+          <p:nvPr/>
+        </p:nvPicPr>
+        <p:blipFill>
+          <a:blip r:embed="rId2"/>
+          <a:stretch>
+            <a:fillRect/>
+          </a:stretch>
+        </p:blipFill>
+        <p:spPr>
+          <a:xfrm>
+            <a:off x="5330883" y="4666764"/>
+            <a:ext cx="1724025" cy="1733550"/>
+          </a:xfrm>
+          <a:prstGeom prst="rect">
+            <a:avLst/>
+          </a:prstGeom>
+        </p:spPr>
+      </p:pic>
     </p:spTree>
     <p:extLst>
       <p:ext uri="{BB962C8B-B14F-4D97-AF65-F5344CB8AC3E}">
@@ -6317,8 +6390,8 @@
         </p:nvSpPr>
         <p:spPr>
           <a:xfrm>
-            <a:off x="666341" y="1925485"/>
-            <a:ext cx="10718447" cy="1754326"/>
+            <a:off x="795129" y="2234578"/>
+            <a:ext cx="11186652" cy="3046988"/>
           </a:xfrm>
           <a:prstGeom prst="rect">
             <a:avLst/>
@@ -6332,47 +6405,85 @@
           <a:lstStyle/>
           <a:p>
             <a:r>
-              <a:rPr lang="pt-BR" dirty="0"/>
-              <a:t>Ter disponível em mãos diversas informações do cliente pode agilizar a prática do atendimento e auxiliá-los com </a:t>
-            </a:r>
-            <a:endParaRPr lang="pt-BR" dirty="0" smtClean="0"/>
-          </a:p>
-          <a:p>
-            <a:r>
-              <a:rPr lang="pt-BR" dirty="0" smtClean="0"/>
+              <a:rPr lang="pt-BR" sz="2400" dirty="0"/>
+              <a:t>Ter disponível em mãos diversas informações do cliente pode agilizar a prática do </a:t>
+            </a:r>
+            <a:endParaRPr lang="pt-BR" sz="2400" dirty="0" smtClean="0"/>
+          </a:p>
+          <a:p>
+            <a:r>
+              <a:rPr lang="pt-BR" sz="2400" dirty="0" smtClean="0"/>
+              <a:t>atendimento </a:t>
+            </a:r>
+            <a:r>
+              <a:rPr lang="pt-BR" sz="2400" dirty="0"/>
+              <a:t>e auxiliá-los com </a:t>
+            </a:r>
+            <a:r>
+              <a:rPr lang="pt-BR" sz="2400" dirty="0"/>
+              <a:t> </a:t>
+            </a:r>
+            <a:r>
+              <a:rPr lang="pt-BR" sz="2400" dirty="0" smtClean="0"/>
               <a:t>informações </a:t>
             </a:r>
             <a:r>
-              <a:rPr lang="pt-BR" dirty="0"/>
+              <a:rPr lang="pt-BR" sz="2400" dirty="0"/>
               <a:t>qualitativas na tomada de decisões</a:t>
             </a:r>
             <a:r>
-              <a:rPr lang="pt-BR" dirty="0" smtClean="0"/>
+              <a:rPr lang="pt-BR" sz="2400" dirty="0" smtClean="0"/>
               <a:t>.</a:t>
             </a:r>
           </a:p>
           <a:p>
-            <a:endParaRPr lang="pt-BR" dirty="0"/>
-          </a:p>
-          <a:p>
-            <a:r>
-              <a:rPr lang="pt-BR" dirty="0"/>
-              <a:t>Ao ter posse de informações relevantes sobre o seu consumidor, é possível segmentar e agrupar os clientes em </a:t>
-            </a:r>
-            <a:endParaRPr lang="pt-BR" dirty="0" smtClean="0"/>
-          </a:p>
-          <a:p>
-            <a:r>
-              <a:rPr lang="pt-BR" dirty="0" smtClean="0"/>
+            <a:endParaRPr lang="pt-BR" sz="2400" dirty="0" smtClean="0"/>
+          </a:p>
+          <a:p>
+            <a:endParaRPr lang="pt-BR" sz="2400" dirty="0"/>
+          </a:p>
+          <a:p>
+            <a:r>
+              <a:rPr lang="pt-BR" sz="2400" dirty="0"/>
+              <a:t>Ao ter posse de informações relevantes sobre o seu consumidor, é possível segmentar e </a:t>
+            </a:r>
+            <a:endParaRPr lang="pt-BR" sz="2400" dirty="0" smtClean="0"/>
+          </a:p>
+          <a:p>
+            <a:r>
+              <a:rPr lang="pt-BR" sz="2400" dirty="0" smtClean="0"/>
+              <a:t>agrupar </a:t>
+            </a:r>
+            <a:r>
+              <a:rPr lang="pt-BR" sz="2400" dirty="0"/>
+              <a:t>os clientes em </a:t>
+            </a:r>
+            <a:r>
+              <a:rPr lang="pt-BR" sz="2400" dirty="0"/>
+              <a:t> </a:t>
+            </a:r>
+            <a:r>
+              <a:rPr lang="pt-BR" sz="2400" dirty="0" smtClean="0"/>
               <a:t>diferentes </a:t>
             </a:r>
             <a:r>
-              <a:rPr lang="pt-BR" dirty="0"/>
-              <a:t>categorias, direcionando estrategicamente seus produtos ou serviços.</a:t>
-            </a:r>
-          </a:p>
-          <a:p>
-            <a:endParaRPr lang="pt-BR" dirty="0"/>
+              <a:rPr lang="pt-BR" sz="2400" dirty="0"/>
+              <a:t>categorias, direcionando estrategicamente seus </a:t>
+            </a:r>
+            <a:endParaRPr lang="pt-BR" sz="2400" dirty="0" smtClean="0"/>
+          </a:p>
+          <a:p>
+            <a:r>
+              <a:rPr lang="pt-BR" sz="2400" dirty="0" smtClean="0"/>
+              <a:t>produtos </a:t>
+            </a:r>
+            <a:r>
+              <a:rPr lang="pt-BR" sz="2400" dirty="0"/>
+              <a:t>ou serviços.</a:t>
+            </a:r>
+          </a:p>
+          <a:p>
+            <a:endParaRPr lang="pt-BR" sz="2400" dirty="0"/>
           </a:p>
         </p:txBody>
       </p:sp>

--- a/Apresentação Cesup Rede/Projeto 2.pptx
+++ b/Apresentação Cesup Rede/Projeto 2.pptx
@@ -3254,8 +3254,15 @@
                 <a:latin typeface="Arial" panose="020B0604020202020204" pitchFamily="34" charset="0"/>
                 <a:cs typeface="Arial" panose="020B0604020202020204" pitchFamily="34" charset="0"/>
               </a:rPr>
-              <a:t>Informação Centralizada</a:t>
-            </a:r>
+              <a:t>Organizando as Informações</a:t>
+            </a:r>
+            <a:endParaRPr lang="pt-BR" sz="2800" b="1" dirty="0" smtClean="0">
+              <a:solidFill>
+                <a:srgbClr val="015CA2"/>
+              </a:solidFill>
+              <a:latin typeface="Arial" panose="020B0604020202020204" pitchFamily="34" charset="0"/>
+              <a:cs typeface="Arial" panose="020B0604020202020204" pitchFamily="34" charset="0"/>
+            </a:endParaRPr>
           </a:p>
         </p:txBody>
       </p:sp>
@@ -3374,7 +3381,6 @@
               <a:rPr lang="pt-BR" dirty="0" smtClean="0"/>
               <a:t>o relacionamento com o cliente.</a:t>
             </a:r>
-            <a:endParaRPr lang="pt-BR" dirty="0" smtClean="0"/>
           </a:p>
           <a:p>
             <a:endParaRPr lang="pt-PT" dirty="0"/>
@@ -3545,7 +3551,7 @@
         <p:spPr>
           <a:xfrm>
             <a:off x="913959" y="1854144"/>
-            <a:ext cx="7405791" cy="4154984"/>
+            <a:ext cx="7405791" cy="3785652"/>
           </a:xfrm>
           <a:prstGeom prst="rect">
             <a:avLst/>
@@ -3599,8 +3605,21 @@
             </a:r>
             <a:r>
               <a:rPr lang="pt-BR" sz="2400" dirty="0" smtClean="0"/>
-              <a:t>, Estudo de Solução, Reservas)</a:t>
-            </a:r>
+              <a:t>, Estudo de </a:t>
+            </a:r>
+            <a:r>
+              <a:rPr lang="pt-BR" sz="2400" dirty="0" smtClean="0"/>
+              <a:t>Solução</a:t>
+            </a:r>
+            <a:r>
+              <a:rPr lang="pt-BR" sz="2400" dirty="0" smtClean="0"/>
+              <a:t>..</a:t>
+            </a:r>
+            <a:r>
+              <a:rPr lang="pt-BR" sz="2400" dirty="0" smtClean="0"/>
+              <a:t>)</a:t>
+            </a:r>
+            <a:endParaRPr lang="pt-BR" sz="2400" dirty="0" smtClean="0"/>
           </a:p>
           <a:p>
             <a:endParaRPr lang="pt-PT" sz="2400" dirty="0" smtClean="0"/>
@@ -5862,8 +5881,13 @@
                   <a:srgbClr val="0070C0"/>
                 </a:solidFill>
               </a:rPr>
-              <a:t>Dashboard / Gráfico</a:t>
-            </a:r>
+              <a:t>Gráfico</a:t>
+            </a:r>
+            <a:endParaRPr lang="pt-PT" sz="1600" dirty="0" smtClean="0">
+              <a:solidFill>
+                <a:srgbClr val="0070C0"/>
+              </a:solidFill>
+            </a:endParaRPr>
           </a:p>
           <a:p>
             <a:pPr algn="ctr"/>
@@ -5934,7 +5958,7 @@
       </p:sp>
       <p:pic>
         <p:nvPicPr>
-          <p:cNvPr id="16" name="Imagem 15"/>
+          <p:cNvPr id="17" name="Imagem 16"/>
           <p:cNvPicPr>
             <a:picLocks noChangeAspect="1"/>
           </p:cNvPicPr>
@@ -5948,8 +5972,8 @@
         </p:blipFill>
         <p:spPr>
           <a:xfrm>
-            <a:off x="10751863" y="2228044"/>
-            <a:ext cx="285333" cy="262322"/>
+            <a:off x="10792241" y="3480883"/>
+            <a:ext cx="204576" cy="204576"/>
           </a:xfrm>
           <a:prstGeom prst="rect">
             <a:avLst/>
@@ -5958,7 +5982,7 @@
       </p:pic>
       <p:pic>
         <p:nvPicPr>
-          <p:cNvPr id="17" name="Imagem 16"/>
+          <p:cNvPr id="18" name="Imagem 17"/>
           <p:cNvPicPr>
             <a:picLocks noChangeAspect="1"/>
           </p:cNvPicPr>
@@ -5972,8 +5996,8 @@
         </p:blipFill>
         <p:spPr>
           <a:xfrm>
-            <a:off x="10792241" y="3480883"/>
-            <a:ext cx="204576" cy="204576"/>
+            <a:off x="6742083" y="4949080"/>
+            <a:ext cx="264017" cy="219184"/>
           </a:xfrm>
           <a:prstGeom prst="rect">
             <a:avLst/>
@@ -5982,7 +6006,7 @@
       </p:pic>
       <p:pic>
         <p:nvPicPr>
-          <p:cNvPr id="18" name="Imagem 17"/>
+          <p:cNvPr id="19" name="Imagem 18"/>
           <p:cNvPicPr>
             <a:picLocks noChangeAspect="1"/>
           </p:cNvPicPr>
@@ -5996,8 +6020,8 @@
         </p:blipFill>
         <p:spPr>
           <a:xfrm>
-            <a:off x="6742083" y="4949080"/>
-            <a:ext cx="264017" cy="219184"/>
+            <a:off x="10777622" y="4937252"/>
+            <a:ext cx="273888" cy="256770"/>
           </a:xfrm>
           <a:prstGeom prst="rect">
             <a:avLst/>
@@ -6006,7 +6030,7 @@
       </p:pic>
       <p:pic>
         <p:nvPicPr>
-          <p:cNvPr id="19" name="Imagem 18"/>
+          <p:cNvPr id="20" name="Imagem 19"/>
           <p:cNvPicPr>
             <a:picLocks noChangeAspect="1"/>
           </p:cNvPicPr>
@@ -6020,8 +6044,8 @@
         </p:blipFill>
         <p:spPr>
           <a:xfrm>
-            <a:off x="10777622" y="4937252"/>
-            <a:ext cx="273888" cy="256770"/>
+            <a:off x="6742083" y="3436935"/>
+            <a:ext cx="264017" cy="218942"/>
           </a:xfrm>
           <a:prstGeom prst="rect">
             <a:avLst/>
@@ -6030,7 +6054,7 @@
       </p:pic>
       <p:pic>
         <p:nvPicPr>
-          <p:cNvPr id="20" name="Imagem 19"/>
+          <p:cNvPr id="3" name="Imagem 2"/>
           <p:cNvPicPr>
             <a:picLocks noChangeAspect="1"/>
           </p:cNvPicPr>
@@ -6044,8 +6068,8 @@
         </p:blipFill>
         <p:spPr>
           <a:xfrm>
-            <a:off x="6742083" y="3436935"/>
-            <a:ext cx="264017" cy="218942"/>
+            <a:off x="10750196" y="2215164"/>
+            <a:ext cx="270388" cy="257198"/>
           </a:xfrm>
           <a:prstGeom prst="rect">
             <a:avLst/>
@@ -6390,8 +6414,8 @@
         </p:nvSpPr>
         <p:spPr>
           <a:xfrm>
-            <a:off x="795129" y="2234578"/>
-            <a:ext cx="11186652" cy="3046988"/>
+            <a:off x="875726" y="1912606"/>
+            <a:ext cx="10895564" cy="3416320"/>
           </a:xfrm>
           <a:prstGeom prst="rect">
             <a:avLst/>
@@ -6399,29 +6423,46 @@
           <a:noFill/>
         </p:spPr>
         <p:txBody>
-          <a:bodyPr wrap="none" rtlCol="0">
+          <a:bodyPr wrap="square" rtlCol="0">
             <a:spAutoFit/>
           </a:bodyPr>
           <a:lstStyle/>
           <a:p>
             <a:r>
+              <a:rPr lang="pt-BR" sz="2400" dirty="0" smtClean="0"/>
+              <a:t>- Ter </a:t>
+            </a:r>
+            <a:r>
               <a:rPr lang="pt-BR" sz="2400" dirty="0"/>
-              <a:t>Ter disponível em mãos diversas informações do cliente pode agilizar a prática do </a:t>
-            </a:r>
-            <a:endParaRPr lang="pt-BR" sz="2400" dirty="0" smtClean="0"/>
-          </a:p>
-          <a:p>
+              <a:t>disponível </a:t>
+            </a:r>
+            <a:r>
+              <a:rPr lang="pt-BR" sz="2400" dirty="0" smtClean="0"/>
+              <a:t>diversas informações unificadas da dependência, para </a:t>
+            </a:r>
+            <a:r>
+              <a:rPr lang="pt-BR" sz="2400" dirty="0"/>
+              <a:t>agilizar a </a:t>
+            </a:r>
+            <a:r>
+              <a:rPr lang="pt-BR" sz="2400" dirty="0"/>
+              <a:t> </a:t>
+            </a:r>
+            <a:r>
+              <a:rPr lang="pt-BR" sz="2400" dirty="0" smtClean="0"/>
+              <a:t>prática </a:t>
+            </a:r>
+            <a:r>
+              <a:rPr lang="pt-BR" sz="2400" dirty="0"/>
+              <a:t>do </a:t>
+            </a:r>
             <a:r>
               <a:rPr lang="pt-BR" sz="2400" dirty="0" smtClean="0"/>
               <a:t>atendimento </a:t>
             </a:r>
             <a:r>
               <a:rPr lang="pt-BR" sz="2400" dirty="0"/>
-              <a:t>e auxiliá-los com </a:t>
-            </a:r>
-            <a:r>
-              <a:rPr lang="pt-BR" sz="2400" dirty="0"/>
-              <a:t> </a:t>
+              <a:t>e auxiliá-los com  </a:t>
             </a:r>
             <a:r>
               <a:rPr lang="pt-BR" sz="2400" dirty="0" smtClean="0"/>
@@ -6437,15 +6478,27 @@
             </a:r>
           </a:p>
           <a:p>
-            <a:endParaRPr lang="pt-BR" sz="2400" dirty="0" smtClean="0"/>
-          </a:p>
-          <a:p>
             <a:endParaRPr lang="pt-BR" sz="2400" dirty="0"/>
           </a:p>
           <a:p>
+            <a:endParaRPr lang="pt-BR" sz="2400" dirty="0"/>
+          </a:p>
+          <a:p>
+            <a:r>
+              <a:rPr lang="pt-BR" sz="2400" dirty="0" smtClean="0"/>
+              <a:t>- Ao </a:t>
+            </a:r>
             <a:r>
               <a:rPr lang="pt-BR" sz="2400" dirty="0"/>
-              <a:t>Ao ter posse de informações relevantes sobre o seu consumidor, é possível segmentar e </a:t>
+              <a:t>ter posse de informações relevantes </a:t>
+            </a:r>
+            <a:r>
+              <a:rPr lang="pt-BR" sz="2400" dirty="0" smtClean="0"/>
+              <a:t>da dependência, </a:t>
+            </a:r>
+            <a:r>
+              <a:rPr lang="pt-BR" sz="2400" dirty="0"/>
+              <a:t>é possível segmentar e </a:t>
             </a:r>
             <a:endParaRPr lang="pt-BR" sz="2400" dirty="0" smtClean="0"/>
           </a:p>
@@ -6455,32 +6508,32 @@
               <a:t>agrupar </a:t>
             </a:r>
             <a:r>
-              <a:rPr lang="pt-BR" sz="2400" dirty="0"/>
-              <a:t>os clientes em </a:t>
-            </a:r>
-            <a:r>
-              <a:rPr lang="pt-BR" sz="2400" dirty="0"/>
-              <a:t> </a:t>
-            </a:r>
-            <a:r>
               <a:rPr lang="pt-BR" sz="2400" dirty="0" smtClean="0"/>
               <a:t>diferentes </a:t>
             </a:r>
             <a:r>
               <a:rPr lang="pt-BR" sz="2400" dirty="0"/>
-              <a:t>categorias, direcionando estrategicamente seus </a:t>
-            </a:r>
-            <a:endParaRPr lang="pt-BR" sz="2400" dirty="0" smtClean="0"/>
-          </a:p>
-          <a:p>
+              <a:t>categorias, direcionando estrategicamente </a:t>
+            </a:r>
             <a:r>
               <a:rPr lang="pt-BR" sz="2400" dirty="0" smtClean="0"/>
-              <a:t>produtos </a:t>
-            </a:r>
+              <a:t>campanhas, </a:t>
+            </a:r>
+          </a:p>
+          <a:p>
             <a:r>
               <a:rPr lang="pt-BR" sz="2400" dirty="0"/>
-              <a:t>ou serviços.</a:t>
-            </a:r>
+              <a:t>n</a:t>
+            </a:r>
+            <a:r>
+              <a:rPr lang="pt-BR" sz="2400" dirty="0" smtClean="0"/>
+              <a:t>otificações e </a:t>
+            </a:r>
+            <a:r>
+              <a:rPr lang="pt-BR" sz="2400" dirty="0" smtClean="0"/>
+              <a:t>serviços.</a:t>
+            </a:r>
+            <a:endParaRPr lang="pt-BR" sz="2400" dirty="0"/>
           </a:p>
           <a:p>
             <a:endParaRPr lang="pt-BR" sz="2400" dirty="0"/>

--- a/Apresentação Cesup Rede/Projeto 2.pptx
+++ b/Apresentação Cesup Rede/Projeto 2.pptx
@@ -251,7 +251,7 @@
           <a:p>
             <a:fld id="{451DA068-CB82-4A13-8DD8-5B6FC800C9FB}" type="datetimeFigureOut">
               <a:rPr lang="pt-BR" smtClean="0"/>
-              <a:t>15/11/2020</a:t>
+              <a:t>16/11/2020</a:t>
             </a:fld>
             <a:endParaRPr lang="pt-BR"/>
           </a:p>
@@ -421,7 +421,7 @@
           <a:p>
             <a:fld id="{451DA068-CB82-4A13-8DD8-5B6FC800C9FB}" type="datetimeFigureOut">
               <a:rPr lang="pt-BR" smtClean="0"/>
-              <a:t>15/11/2020</a:t>
+              <a:t>16/11/2020</a:t>
             </a:fld>
             <a:endParaRPr lang="pt-BR"/>
           </a:p>
@@ -601,7 +601,7 @@
           <a:p>
             <a:fld id="{451DA068-CB82-4A13-8DD8-5B6FC800C9FB}" type="datetimeFigureOut">
               <a:rPr lang="pt-BR" smtClean="0"/>
-              <a:t>15/11/2020</a:t>
+              <a:t>16/11/2020</a:t>
             </a:fld>
             <a:endParaRPr lang="pt-BR"/>
           </a:p>
@@ -898,7 +898,7 @@
           <a:p>
             <a:fld id="{451DA068-CB82-4A13-8DD8-5B6FC800C9FB}" type="datetimeFigureOut">
               <a:rPr lang="pt-BR" smtClean="0"/>
-              <a:t>15/11/2020</a:t>
+              <a:t>16/11/2020</a:t>
             </a:fld>
             <a:endParaRPr lang="pt-BR"/>
           </a:p>
@@ -1144,7 +1144,7 @@
           <a:p>
             <a:fld id="{451DA068-CB82-4A13-8DD8-5B6FC800C9FB}" type="datetimeFigureOut">
               <a:rPr lang="pt-BR" smtClean="0"/>
-              <a:t>15/11/2020</a:t>
+              <a:t>16/11/2020</a:t>
             </a:fld>
             <a:endParaRPr lang="pt-BR"/>
           </a:p>
@@ -1376,7 +1376,7 @@
           <a:p>
             <a:fld id="{451DA068-CB82-4A13-8DD8-5B6FC800C9FB}" type="datetimeFigureOut">
               <a:rPr lang="pt-BR" smtClean="0"/>
-              <a:t>15/11/2020</a:t>
+              <a:t>16/11/2020</a:t>
             </a:fld>
             <a:endParaRPr lang="pt-BR"/>
           </a:p>
@@ -1743,7 +1743,7 @@
           <a:p>
             <a:fld id="{451DA068-CB82-4A13-8DD8-5B6FC800C9FB}" type="datetimeFigureOut">
               <a:rPr lang="pt-BR" smtClean="0"/>
-              <a:t>15/11/2020</a:t>
+              <a:t>16/11/2020</a:t>
             </a:fld>
             <a:endParaRPr lang="pt-BR"/>
           </a:p>
@@ -1861,7 +1861,7 @@
           <a:p>
             <a:fld id="{451DA068-CB82-4A13-8DD8-5B6FC800C9FB}" type="datetimeFigureOut">
               <a:rPr lang="pt-BR" smtClean="0"/>
-              <a:t>15/11/2020</a:t>
+              <a:t>16/11/2020</a:t>
             </a:fld>
             <a:endParaRPr lang="pt-BR"/>
           </a:p>
@@ -1956,7 +1956,7 @@
           <a:p>
             <a:fld id="{451DA068-CB82-4A13-8DD8-5B6FC800C9FB}" type="datetimeFigureOut">
               <a:rPr lang="pt-BR" smtClean="0"/>
-              <a:t>15/11/2020</a:t>
+              <a:t>16/11/2020</a:t>
             </a:fld>
             <a:endParaRPr lang="pt-BR"/>
           </a:p>
@@ -2233,7 +2233,7 @@
           <a:p>
             <a:fld id="{451DA068-CB82-4A13-8DD8-5B6FC800C9FB}" type="datetimeFigureOut">
               <a:rPr lang="pt-BR" smtClean="0"/>
-              <a:t>15/11/2020</a:t>
+              <a:t>16/11/2020</a:t>
             </a:fld>
             <a:endParaRPr lang="pt-BR"/>
           </a:p>
@@ -2486,7 +2486,7 @@
           <a:p>
             <a:fld id="{451DA068-CB82-4A13-8DD8-5B6FC800C9FB}" type="datetimeFigureOut">
               <a:rPr lang="pt-BR" smtClean="0"/>
-              <a:t>15/11/2020</a:t>
+              <a:t>16/11/2020</a:t>
             </a:fld>
             <a:endParaRPr lang="pt-BR"/>
           </a:p>
@@ -2699,7 +2699,7 @@
           <a:p>
             <a:fld id="{451DA068-CB82-4A13-8DD8-5B6FC800C9FB}" type="datetimeFigureOut">
               <a:rPr lang="pt-BR" smtClean="0"/>
-              <a:t>15/11/2020</a:t>
+              <a:t>16/11/2020</a:t>
             </a:fld>
             <a:endParaRPr lang="pt-BR"/>
           </a:p>
@@ -3256,13 +3256,6 @@
               </a:rPr>
               <a:t>Organizando as Informações</a:t>
             </a:r>
-            <a:endParaRPr lang="pt-BR" sz="2800" b="1" dirty="0" smtClean="0">
-              <a:solidFill>
-                <a:srgbClr val="015CA2"/>
-              </a:solidFill>
-              <a:latin typeface="Arial" panose="020B0604020202020204" pitchFamily="34" charset="0"/>
-              <a:cs typeface="Arial" panose="020B0604020202020204" pitchFamily="34" charset="0"/>
-            </a:endParaRPr>
           </a:p>
         </p:txBody>
       </p:sp>
@@ -3551,7 +3544,7 @@
         <p:spPr>
           <a:xfrm>
             <a:off x="913959" y="1854144"/>
-            <a:ext cx="7405791" cy="3785652"/>
+            <a:ext cx="7405791" cy="4524315"/>
           </a:xfrm>
           <a:prstGeom prst="rect">
             <a:avLst/>
@@ -3596,30 +3589,37 @@
               <a:t>já demandou ao </a:t>
             </a:r>
             <a:r>
-              <a:rPr lang="pt-BR" sz="2400" dirty="0" err="1"/>
+              <a:rPr lang="pt-BR" sz="2400" dirty="0" err="1" smtClean="0"/>
               <a:t>Cesup</a:t>
             </a:r>
             <a:r>
+              <a:rPr lang="pt-BR" sz="2400" dirty="0" smtClean="0"/>
+              <a:t>, quais ferramentas dentro do </a:t>
+            </a:r>
+            <a:r>
+              <a:rPr lang="pt-BR" sz="2400" dirty="0" err="1" smtClean="0"/>
+              <a:t>Scap</a:t>
+            </a:r>
+            <a:r>
+              <a:rPr lang="pt-BR" sz="2400" dirty="0" smtClean="0"/>
+              <a:t> foram utilizados </a:t>
+            </a:r>
+            <a:r>
+              <a:rPr lang="pt-BR" sz="2400" dirty="0" smtClean="0"/>
+              <a:t>para </a:t>
+            </a:r>
+            <a:r>
+              <a:rPr lang="pt-BR" sz="2400" smtClean="0"/>
+              <a:t>o atendimento (Demandas</a:t>
+            </a:r>
+            <a:r>
               <a:rPr lang="pt-BR" sz="2400" dirty="0"/>
-              <a:t> (Demandas, Visitas</a:t>
+              <a:t>, Visitas</a:t>
             </a:r>
             <a:r>
               <a:rPr lang="pt-BR" sz="2400" dirty="0" smtClean="0"/>
-              <a:t>, Estudo de </a:t>
-            </a:r>
-            <a:r>
-              <a:rPr lang="pt-BR" sz="2400" dirty="0" smtClean="0"/>
-              <a:t>Solução</a:t>
-            </a:r>
-            <a:r>
-              <a:rPr lang="pt-BR" sz="2400" dirty="0" smtClean="0"/>
-              <a:t>..</a:t>
-            </a:r>
-            <a:r>
-              <a:rPr lang="pt-BR" sz="2400" dirty="0" smtClean="0"/>
-              <a:t>)</a:t>
-            </a:r>
-            <a:endParaRPr lang="pt-BR" sz="2400" dirty="0" smtClean="0"/>
+              <a:t>, Estudo de Solução..)</a:t>
+            </a:r>
           </a:p>
           <a:p>
             <a:endParaRPr lang="pt-PT" sz="2400" dirty="0" smtClean="0"/>
@@ -4487,7 +4487,7 @@
                   </a:schemeClr>
                 </a:solidFill>
               </a:rPr>
-              <a:t>Avaliação</a:t>
+              <a:t>Relacionamento</a:t>
             </a:r>
           </a:p>
           <a:p>
@@ -5772,7 +5772,7 @@
                   </a:schemeClr>
                 </a:solidFill>
               </a:rPr>
-              <a:t>Avaliação</a:t>
+              <a:t>Relacionamento</a:t>
             </a:r>
           </a:p>
           <a:p>
@@ -5883,11 +5883,6 @@
               </a:rPr>
               <a:t>Gráfico</a:t>
             </a:r>
-            <a:endParaRPr lang="pt-PT" sz="1600" dirty="0" smtClean="0">
-              <a:solidFill>
-                <a:srgbClr val="0070C0"/>
-              </a:solidFill>
-            </a:endParaRPr>
           </a:p>
           <a:p>
             <a:pPr algn="ctr"/>
@@ -6442,11 +6437,7 @@
             </a:r>
             <a:r>
               <a:rPr lang="pt-BR" sz="2400" dirty="0"/>
-              <a:t>agilizar a </a:t>
-            </a:r>
-            <a:r>
-              <a:rPr lang="pt-BR" sz="2400" dirty="0"/>
-              <a:t> </a:t>
+              <a:t>agilizar a  </a:t>
             </a:r>
             <a:r>
               <a:rPr lang="pt-BR" sz="2400" dirty="0" smtClean="0"/>
@@ -6505,11 +6496,7 @@
           <a:p>
             <a:r>
               <a:rPr lang="pt-BR" sz="2400" dirty="0" smtClean="0"/>
-              <a:t>agrupar </a:t>
-            </a:r>
-            <a:r>
-              <a:rPr lang="pt-BR" sz="2400" dirty="0" smtClean="0"/>
-              <a:t>diferentes </a:t>
+              <a:t>agrupar diferentes </a:t>
             </a:r>
             <a:r>
               <a:rPr lang="pt-BR" sz="2400" dirty="0"/>
@@ -6527,11 +6514,7 @@
             </a:r>
             <a:r>
               <a:rPr lang="pt-BR" sz="2400" dirty="0" smtClean="0"/>
-              <a:t>otificações e </a:t>
-            </a:r>
-            <a:r>
-              <a:rPr lang="pt-BR" sz="2400" dirty="0" smtClean="0"/>
-              <a:t>serviços.</a:t>
+              <a:t>otificações e serviços.</a:t>
             </a:r>
             <a:endParaRPr lang="pt-BR" sz="2400" dirty="0"/>
           </a:p>
@@ -6550,6 +6533,13 @@
   <p:clrMapOvr>
     <a:masterClrMapping/>
   </p:clrMapOvr>
+  <p:timing>
+    <p:tnLst>
+      <p:par>
+        <p:cTn id="1" dur="indefinite" restart="never" nodeType="tmRoot"/>
+      </p:par>
+    </p:tnLst>
+  </p:timing>
 </p:sld>
 </file>
 
